--- a/3Periodo/ExcProjetandoSolucoes/Apresentacao - AutoChoice.pptx
+++ b/3Periodo/ExcProjetandoSolucoes/Apresentacao - AutoChoice.pptx
@@ -9,9 +9,20 @@
     <p:sldId id="257" r:id="rId3"/>
     <p:sldId id="258" r:id="rId4"/>
     <p:sldId id="261" r:id="rId5"/>
-    <p:sldId id="263" r:id="rId6"/>
-    <p:sldId id="262" r:id="rId7"/>
-    <p:sldId id="260" r:id="rId8"/>
+    <p:sldId id="274" r:id="rId6"/>
+    <p:sldId id="276" r:id="rId7"/>
+    <p:sldId id="278" r:id="rId8"/>
+    <p:sldId id="280" r:id="rId9"/>
+    <p:sldId id="281" r:id="rId10"/>
+    <p:sldId id="263" r:id="rId11"/>
+    <p:sldId id="268" r:id="rId12"/>
+    <p:sldId id="269" r:id="rId13"/>
+    <p:sldId id="270" r:id="rId14"/>
+    <p:sldId id="266" r:id="rId15"/>
+    <p:sldId id="272" r:id="rId16"/>
+    <p:sldId id="273" r:id="rId17"/>
+    <p:sldId id="262" r:id="rId18"/>
+    <p:sldId id="260" r:id="rId19"/>
   </p:sldIdLst>
   <p:sldSz cx="12192000" cy="6858000"/>
   <p:notesSz cx="6858000" cy="9144000"/>
@@ -111,11 +122,45 @@
     </a:lvl9pPr>
   </p:defaultTextStyle>
   <p:extLst>
+    <p:ext uri="{521415D9-36F7-43E2-AB2F-B90AF26B5E84}">
+      <p14:sectionLst xmlns:p14="http://schemas.microsoft.com/office/powerpoint/2010/main">
+        <p14:section name="Seção Padrão" id="{06195402-BD58-480C-98A2-0B6E8402C884}">
+          <p14:sldIdLst>
+            <p14:sldId id="256"/>
+            <p14:sldId id="257"/>
+            <p14:sldId id="258"/>
+            <p14:sldId id="261"/>
+            <p14:sldId id="274"/>
+            <p14:sldId id="276"/>
+            <p14:sldId id="278"/>
+            <p14:sldId id="280"/>
+            <p14:sldId id="281"/>
+            <p14:sldId id="263"/>
+            <p14:sldId id="268"/>
+            <p14:sldId id="269"/>
+            <p14:sldId id="270"/>
+            <p14:sldId id="266"/>
+            <p14:sldId id="272"/>
+            <p14:sldId id="273"/>
+            <p14:sldId id="262"/>
+            <p14:sldId id="260"/>
+          </p14:sldIdLst>
+        </p14:section>
+      </p14:sectionLst>
+    </p:ext>
     <p:ext uri="{EFAFB233-063F-42B5-8137-9DF3F51BA10A}">
       <p15:sldGuideLst xmlns:p15="http://schemas.microsoft.com/office/powerpoint/2012/main"/>
     </p:ext>
   </p:extLst>
 </p:presentation>
+</file>
+
+<file path=ppt/revisionInfo.xml><?xml version="1.0" encoding="utf-8"?>
+<p1510:revInfo xmlns:a="http://schemas.openxmlformats.org/drawingml/2006/main" xmlns:r="http://schemas.openxmlformats.org/officeDocument/2006/relationships" xmlns:p1510="http://schemas.microsoft.com/office/powerpoint/2015/10/main">
+  <p1510:revLst>
+    <p1510:client id="{DF3F21A5-97B1-4E04-8BB2-6BCC0C4A6933}" v="11" dt="2024-03-26T12:08:56.010"/>
+  </p1510:revLst>
+</p1510:revInfo>
 </file>
 
 <file path=ppt/changesInfos/changesInfo1.xml><?xml version="1.0" encoding="utf-8"?>
@@ -183,6 +228,432 @@
       </pc:sldChg>
     </pc:docChg>
   </pc:docChgLst>
+  <pc:docChgLst>
+    <pc:chgData name="Ary Farah" userId="b4a11b600c829974" providerId="LiveId" clId="{DF3F21A5-97B1-4E04-8BB2-6BCC0C4A6933}"/>
+    <pc:docChg chg="undo redo custSel addSld delSld modSld sldOrd addSection delSection modSection">
+      <pc:chgData name="Ary Farah" userId="b4a11b600c829974" providerId="LiveId" clId="{DF3F21A5-97B1-4E04-8BB2-6BCC0C4A6933}" dt="2024-03-26T12:11:56.915" v="292" actId="1076"/>
+      <pc:docMkLst>
+        <pc:docMk/>
+      </pc:docMkLst>
+      <pc:sldChg chg="modSp mod">
+        <pc:chgData name="Ary Farah" userId="b4a11b600c829974" providerId="LiveId" clId="{DF3F21A5-97B1-4E04-8BB2-6BCC0C4A6933}" dt="2024-03-26T11:55:45.435" v="212" actId="1076"/>
+        <pc:sldMkLst>
+          <pc:docMk/>
+          <pc:sldMk cId="2192246471" sldId="256"/>
+        </pc:sldMkLst>
+        <pc:spChg chg="mod">
+          <ac:chgData name="Ary Farah" userId="b4a11b600c829974" providerId="LiveId" clId="{DF3F21A5-97B1-4E04-8BB2-6BCC0C4A6933}" dt="2024-03-26T11:55:40.428" v="210" actId="255"/>
+          <ac:spMkLst>
+            <pc:docMk/>
+            <pc:sldMk cId="2192246471" sldId="256"/>
+            <ac:spMk id="10" creationId="{4D17BB5B-781C-299F-B86F-82C4F53953DD}"/>
+          </ac:spMkLst>
+        </pc:spChg>
+        <pc:spChg chg="mod">
+          <ac:chgData name="Ary Farah" userId="b4a11b600c829974" providerId="LiveId" clId="{DF3F21A5-97B1-4E04-8BB2-6BCC0C4A6933}" dt="2024-03-26T11:55:45.435" v="212" actId="1076"/>
+          <ac:spMkLst>
+            <pc:docMk/>
+            <pc:sldMk cId="2192246471" sldId="256"/>
+            <ac:spMk id="11" creationId="{B084E3F8-7605-09F7-E47E-CAA2F5AF8F46}"/>
+          </ac:spMkLst>
+        </pc:spChg>
+      </pc:sldChg>
+      <pc:sldChg chg="add del">
+        <pc:chgData name="Ary Farah" userId="b4a11b600c829974" providerId="LiveId" clId="{DF3F21A5-97B1-4E04-8BB2-6BCC0C4A6933}" dt="2024-03-26T11:36:39.960" v="8" actId="47"/>
+        <pc:sldMkLst>
+          <pc:docMk/>
+          <pc:sldMk cId="2817501756" sldId="260"/>
+        </pc:sldMkLst>
+      </pc:sldChg>
+      <pc:sldChg chg="add del">
+        <pc:chgData name="Ary Farah" userId="b4a11b600c829974" providerId="LiveId" clId="{DF3F21A5-97B1-4E04-8BB2-6BCC0C4A6933}" dt="2024-03-26T11:36:39.960" v="8" actId="47"/>
+        <pc:sldMkLst>
+          <pc:docMk/>
+          <pc:sldMk cId="630222952" sldId="262"/>
+        </pc:sldMkLst>
+      </pc:sldChg>
+      <pc:sldChg chg="add del">
+        <pc:chgData name="Ary Farah" userId="b4a11b600c829974" providerId="LiveId" clId="{DF3F21A5-97B1-4E04-8BB2-6BCC0C4A6933}" dt="2024-03-26T11:36:39.960" v="8" actId="47"/>
+        <pc:sldMkLst>
+          <pc:docMk/>
+          <pc:sldMk cId="3078296799" sldId="263"/>
+        </pc:sldMkLst>
+      </pc:sldChg>
+      <pc:sldChg chg="addSp delSp modSp add del mod">
+        <pc:chgData name="Ary Farah" userId="b4a11b600c829974" providerId="LiveId" clId="{DF3F21A5-97B1-4E04-8BB2-6BCC0C4A6933}" dt="2024-03-26T12:06:35.203" v="270" actId="47"/>
+        <pc:sldMkLst>
+          <pc:docMk/>
+          <pc:sldMk cId="2208383897" sldId="264"/>
+        </pc:sldMkLst>
+        <pc:graphicFrameChg chg="add del mod modGraphic">
+          <ac:chgData name="Ary Farah" userId="b4a11b600c829974" providerId="LiveId" clId="{DF3F21A5-97B1-4E04-8BB2-6BCC0C4A6933}" dt="2024-03-26T11:37:25.929" v="13" actId="478"/>
+          <ac:graphicFrameMkLst>
+            <pc:docMk/>
+            <pc:sldMk cId="2208383897" sldId="264"/>
+            <ac:graphicFrameMk id="3" creationId="{3851FE54-806A-6FE2-3794-48075113ABF4}"/>
+          </ac:graphicFrameMkLst>
+        </pc:graphicFrameChg>
+        <pc:graphicFrameChg chg="add del modGraphic">
+          <ac:chgData name="Ary Farah" userId="b4a11b600c829974" providerId="LiveId" clId="{DF3F21A5-97B1-4E04-8BB2-6BCC0C4A6933}" dt="2024-03-26T11:39:06.807" v="27" actId="478"/>
+          <ac:graphicFrameMkLst>
+            <pc:docMk/>
+            <pc:sldMk cId="2208383897" sldId="264"/>
+            <ac:graphicFrameMk id="9" creationId="{BE37926A-8538-59CF-5D48-8B9C32B48290}"/>
+          </ac:graphicFrameMkLst>
+        </pc:graphicFrameChg>
+        <pc:picChg chg="add del mod ord">
+          <ac:chgData name="Ary Farah" userId="b4a11b600c829974" providerId="LiveId" clId="{DF3F21A5-97B1-4E04-8BB2-6BCC0C4A6933}" dt="2024-03-26T11:39:48.897" v="28" actId="478"/>
+          <ac:picMkLst>
+            <pc:docMk/>
+            <pc:sldMk cId="2208383897" sldId="264"/>
+            <ac:picMk id="5" creationId="{9AC2719B-0A92-6566-7B14-F26024D6F551}"/>
+          </ac:picMkLst>
+        </pc:picChg>
+        <pc:picChg chg="add mod">
+          <ac:chgData name="Ary Farah" userId="b4a11b600c829974" providerId="LiveId" clId="{DF3F21A5-97B1-4E04-8BB2-6BCC0C4A6933}" dt="2024-03-26T11:38:32.291" v="23" actId="1076"/>
+          <ac:picMkLst>
+            <pc:docMk/>
+            <pc:sldMk cId="2208383897" sldId="264"/>
+            <ac:picMk id="6" creationId="{D51241A3-EB27-9FB7-397D-E8180178C946}"/>
+          </ac:picMkLst>
+        </pc:picChg>
+        <pc:picChg chg="del">
+          <ac:chgData name="Ary Farah" userId="b4a11b600c829974" providerId="LiveId" clId="{DF3F21A5-97B1-4E04-8BB2-6BCC0C4A6933}" dt="2024-03-26T11:37:43.131" v="14" actId="478"/>
+          <ac:picMkLst>
+            <pc:docMk/>
+            <pc:sldMk cId="2208383897" sldId="264"/>
+            <ac:picMk id="8" creationId="{70C82C32-7335-7E22-7A11-9EC934D0FFFE}"/>
+          </ac:picMkLst>
+        </pc:picChg>
+      </pc:sldChg>
+      <pc:sldChg chg="add del">
+        <pc:chgData name="Ary Farah" userId="b4a11b600c829974" providerId="LiveId" clId="{DF3F21A5-97B1-4E04-8BB2-6BCC0C4A6933}" dt="2024-03-26T12:06:39.635" v="271" actId="47"/>
+        <pc:sldMkLst>
+          <pc:docMk/>
+          <pc:sldMk cId="2807672630" sldId="265"/>
+        </pc:sldMkLst>
+      </pc:sldChg>
+      <pc:sldChg chg="modSp add del mod ord">
+        <pc:chgData name="Ary Farah" userId="b4a11b600c829974" providerId="LiveId" clId="{DF3F21A5-97B1-4E04-8BB2-6BCC0C4A6933}" dt="2024-03-26T12:08:22.142" v="282" actId="14100"/>
+        <pc:sldMkLst>
+          <pc:docMk/>
+          <pc:sldMk cId="2264173967" sldId="266"/>
+        </pc:sldMkLst>
+        <pc:picChg chg="mod">
+          <ac:chgData name="Ary Farah" userId="b4a11b600c829974" providerId="LiveId" clId="{DF3F21A5-97B1-4E04-8BB2-6BCC0C4A6933}" dt="2024-03-26T12:08:22.142" v="282" actId="14100"/>
+          <ac:picMkLst>
+            <pc:docMk/>
+            <pc:sldMk cId="2264173967" sldId="266"/>
+            <ac:picMk id="8" creationId="{8973E94E-3759-8543-5C9E-3112FBB25112}"/>
+          </ac:picMkLst>
+        </pc:picChg>
+        <pc:picChg chg="mod">
+          <ac:chgData name="Ary Farah" userId="b4a11b600c829974" providerId="LiveId" clId="{DF3F21A5-97B1-4E04-8BB2-6BCC0C4A6933}" dt="2024-03-26T11:47:56.590" v="118" actId="14100"/>
+          <ac:picMkLst>
+            <pc:docMk/>
+            <pc:sldMk cId="2264173967" sldId="266"/>
+            <ac:picMk id="10" creationId="{F9582CC6-847B-49E1-EB51-C006F61F9B12}"/>
+          </ac:picMkLst>
+        </pc:picChg>
+        <pc:picChg chg="mod">
+          <ac:chgData name="Ary Farah" userId="b4a11b600c829974" providerId="LiveId" clId="{DF3F21A5-97B1-4E04-8BB2-6BCC0C4A6933}" dt="2024-03-26T11:47:58.574" v="119" actId="14100"/>
+          <ac:picMkLst>
+            <pc:docMk/>
+            <pc:sldMk cId="2264173967" sldId="266"/>
+            <ac:picMk id="12" creationId="{16C9C50C-6B2E-F3D0-867B-3D2B29C00662}"/>
+          </ac:picMkLst>
+        </pc:picChg>
+      </pc:sldChg>
+      <pc:sldChg chg="add del">
+        <pc:chgData name="Ary Farah" userId="b4a11b600c829974" providerId="LiveId" clId="{DF3F21A5-97B1-4E04-8BB2-6BCC0C4A6933}" dt="2024-03-26T12:06:41.185" v="272" actId="47"/>
+        <pc:sldMkLst>
+          <pc:docMk/>
+          <pc:sldMk cId="522428403" sldId="267"/>
+        </pc:sldMkLst>
+      </pc:sldChg>
+      <pc:sldChg chg="addSp delSp modSp add mod delAnim modAnim">
+        <pc:chgData name="Ary Farah" userId="b4a11b600c829974" providerId="LiveId" clId="{DF3F21A5-97B1-4E04-8BB2-6BCC0C4A6933}" dt="2024-03-26T12:06:29.904" v="269" actId="478"/>
+        <pc:sldMkLst>
+          <pc:docMk/>
+          <pc:sldMk cId="1389876942" sldId="268"/>
+        </pc:sldMkLst>
+        <pc:spChg chg="add del mod">
+          <ac:chgData name="Ary Farah" userId="b4a11b600c829974" providerId="LiveId" clId="{DF3F21A5-97B1-4E04-8BB2-6BCC0C4A6933}" dt="2024-03-26T12:06:29.904" v="269" actId="478"/>
+          <ac:spMkLst>
+            <pc:docMk/>
+            <pc:sldMk cId="1389876942" sldId="268"/>
+            <ac:spMk id="4" creationId="{0A81081F-FF25-F20C-5563-89C614D52766}"/>
+          </ac:spMkLst>
+        </pc:spChg>
+        <pc:picChg chg="add del mod">
+          <ac:chgData name="Ary Farah" userId="b4a11b600c829974" providerId="LiveId" clId="{DF3F21A5-97B1-4E04-8BB2-6BCC0C4A6933}" dt="2024-03-26T11:52:44.986" v="174" actId="478"/>
+          <ac:picMkLst>
+            <pc:docMk/>
+            <pc:sldMk cId="1389876942" sldId="268"/>
+            <ac:picMk id="3" creationId="{BD83C3A1-F810-508E-E97D-22F591E76DA4}"/>
+          </ac:picMkLst>
+        </pc:picChg>
+        <pc:picChg chg="add del mod">
+          <ac:chgData name="Ary Farah" userId="b4a11b600c829974" providerId="LiveId" clId="{DF3F21A5-97B1-4E04-8BB2-6BCC0C4A6933}" dt="2024-03-26T12:06:28.208" v="268" actId="478"/>
+          <ac:picMkLst>
+            <pc:docMk/>
+            <pc:sldMk cId="1389876942" sldId="268"/>
+            <ac:picMk id="6" creationId="{C6D5DA8B-CAB3-04D6-5DC5-4E95E6A7A3FE}"/>
+          </ac:picMkLst>
+        </pc:picChg>
+        <pc:picChg chg="mod">
+          <ac:chgData name="Ary Farah" userId="b4a11b600c829974" providerId="LiveId" clId="{DF3F21A5-97B1-4E04-8BB2-6BCC0C4A6933}" dt="2024-03-26T11:49:59.424" v="142" actId="1076"/>
+          <ac:picMkLst>
+            <pc:docMk/>
+            <pc:sldMk cId="1389876942" sldId="268"/>
+            <ac:picMk id="8" creationId="{B15A42C7-A1FF-D491-535F-92331490CCDA}"/>
+          </ac:picMkLst>
+        </pc:picChg>
+        <pc:picChg chg="mod">
+          <ac:chgData name="Ary Farah" userId="b4a11b600c829974" providerId="LiveId" clId="{DF3F21A5-97B1-4E04-8BB2-6BCC0C4A6933}" dt="2024-03-26T11:50:43.569" v="157" actId="1076"/>
+          <ac:picMkLst>
+            <pc:docMk/>
+            <pc:sldMk cId="1389876942" sldId="268"/>
+            <ac:picMk id="10" creationId="{8A91ED2A-8921-C948-FF8C-3B8852758922}"/>
+          </ac:picMkLst>
+        </pc:picChg>
+        <pc:picChg chg="mod">
+          <ac:chgData name="Ary Farah" userId="b4a11b600c829974" providerId="LiveId" clId="{DF3F21A5-97B1-4E04-8BB2-6BCC0C4A6933}" dt="2024-03-26T11:50:40.385" v="156" actId="1076"/>
+          <ac:picMkLst>
+            <pc:docMk/>
+            <pc:sldMk cId="1389876942" sldId="268"/>
+            <ac:picMk id="12" creationId="{45BCDCD9-3449-DE4C-DB28-DA84F8B96C65}"/>
+          </ac:picMkLst>
+        </pc:picChg>
+      </pc:sldChg>
+      <pc:sldChg chg="addSp modSp new del mod">
+        <pc:chgData name="Ary Farah" userId="b4a11b600c829974" providerId="LiveId" clId="{DF3F21A5-97B1-4E04-8BB2-6BCC0C4A6933}" dt="2024-03-26T11:36:35.076" v="5" actId="47"/>
+        <pc:sldMkLst>
+          <pc:docMk/>
+          <pc:sldMk cId="2813905058" sldId="268"/>
+        </pc:sldMkLst>
+        <pc:graphicFrameChg chg="add modGraphic">
+          <ac:chgData name="Ary Farah" userId="b4a11b600c829974" providerId="LiveId" clId="{DF3F21A5-97B1-4E04-8BB2-6BCC0C4A6933}" dt="2024-03-26T11:36:16.504" v="4" actId="27022"/>
+          <ac:graphicFrameMkLst>
+            <pc:docMk/>
+            <pc:sldMk cId="2813905058" sldId="268"/>
+            <ac:graphicFrameMk id="5" creationId="{6B3F7466-12A0-F9A8-E346-E5E1C0C3A125}"/>
+          </ac:graphicFrameMkLst>
+        </pc:graphicFrameChg>
+      </pc:sldChg>
+      <pc:sldChg chg="modSp add mod">
+        <pc:chgData name="Ary Farah" userId="b4a11b600c829974" providerId="LiveId" clId="{DF3F21A5-97B1-4E04-8BB2-6BCC0C4A6933}" dt="2024-03-26T11:49:32.029" v="138" actId="1076"/>
+        <pc:sldMkLst>
+          <pc:docMk/>
+          <pc:sldMk cId="3715417802" sldId="269"/>
+        </pc:sldMkLst>
+        <pc:picChg chg="mod ord">
+          <ac:chgData name="Ary Farah" userId="b4a11b600c829974" providerId="LiveId" clId="{DF3F21A5-97B1-4E04-8BB2-6BCC0C4A6933}" dt="2024-03-26T11:48:56.056" v="133" actId="1076"/>
+          <ac:picMkLst>
+            <pc:docMk/>
+            <pc:sldMk cId="3715417802" sldId="269"/>
+            <ac:picMk id="6" creationId="{316F19CB-3BA9-B59B-62FC-0A74828BFC35}"/>
+          </ac:picMkLst>
+        </pc:picChg>
+        <pc:picChg chg="mod ord">
+          <ac:chgData name="Ary Farah" userId="b4a11b600c829974" providerId="LiveId" clId="{DF3F21A5-97B1-4E04-8BB2-6BCC0C4A6933}" dt="2024-03-26T11:49:27.395" v="137" actId="1076"/>
+          <ac:picMkLst>
+            <pc:docMk/>
+            <pc:sldMk cId="3715417802" sldId="269"/>
+            <ac:picMk id="10" creationId="{997251A5-EC65-8C75-16BC-861C98B32EC7}"/>
+          </ac:picMkLst>
+        </pc:picChg>
+        <pc:picChg chg="mod ord">
+          <ac:chgData name="Ary Farah" userId="b4a11b600c829974" providerId="LiveId" clId="{DF3F21A5-97B1-4E04-8BB2-6BCC0C4A6933}" dt="2024-03-26T11:49:32.029" v="138" actId="1076"/>
+          <ac:picMkLst>
+            <pc:docMk/>
+            <pc:sldMk cId="3715417802" sldId="269"/>
+            <ac:picMk id="12" creationId="{5EFD2C99-2F6D-3882-B194-CD2795F4851D}"/>
+          </ac:picMkLst>
+        </pc:picChg>
+      </pc:sldChg>
+      <pc:sldChg chg="addSp delSp modSp add mod">
+        <pc:chgData name="Ary Farah" userId="b4a11b600c829974" providerId="LiveId" clId="{DF3F21A5-97B1-4E04-8BB2-6BCC0C4A6933}" dt="2024-03-26T12:11:56.915" v="292" actId="1076"/>
+        <pc:sldMkLst>
+          <pc:docMk/>
+          <pc:sldMk cId="2631654670" sldId="270"/>
+        </pc:sldMkLst>
+        <pc:picChg chg="add mod">
+          <ac:chgData name="Ary Farah" userId="b4a11b600c829974" providerId="LiveId" clId="{DF3F21A5-97B1-4E04-8BB2-6BCC0C4A6933}" dt="2024-03-26T12:08:59.518" v="291" actId="1076"/>
+          <ac:picMkLst>
+            <pc:docMk/>
+            <pc:sldMk cId="2631654670" sldId="270"/>
+            <ac:picMk id="2" creationId="{9C06F824-1C5A-D367-18C9-177667039851}"/>
+          </ac:picMkLst>
+        </pc:picChg>
+        <pc:picChg chg="add mod">
+          <ac:chgData name="Ary Farah" userId="b4a11b600c829974" providerId="LiveId" clId="{DF3F21A5-97B1-4E04-8BB2-6BCC0C4A6933}" dt="2024-03-26T12:11:56.915" v="292" actId="1076"/>
+          <ac:picMkLst>
+            <pc:docMk/>
+            <pc:sldMk cId="2631654670" sldId="270"/>
+            <ac:picMk id="3" creationId="{8158E89F-BFE2-EF3E-6957-5DAE526A17D3}"/>
+          </ac:picMkLst>
+        </pc:picChg>
+        <pc:picChg chg="mod">
+          <ac:chgData name="Ary Farah" userId="b4a11b600c829974" providerId="LiveId" clId="{DF3F21A5-97B1-4E04-8BB2-6BCC0C4A6933}" dt="2024-03-26T12:08:32.001" v="284" actId="1076"/>
+          <ac:picMkLst>
+            <pc:docMk/>
+            <pc:sldMk cId="2631654670" sldId="270"/>
+            <ac:picMk id="8" creationId="{EBA7C7B0-54FA-3CA4-7669-C6EDB3C8F6A5}"/>
+          </ac:picMkLst>
+        </pc:picChg>
+        <pc:picChg chg="del mod">
+          <ac:chgData name="Ary Farah" userId="b4a11b600c829974" providerId="LiveId" clId="{DF3F21A5-97B1-4E04-8BB2-6BCC0C4A6933}" dt="2024-03-26T12:08:54.557" v="288" actId="478"/>
+          <ac:picMkLst>
+            <pc:docMk/>
+            <pc:sldMk cId="2631654670" sldId="270"/>
+            <ac:picMk id="10" creationId="{E0E201DF-B7FB-19ED-9EC1-621B725E412D}"/>
+          </ac:picMkLst>
+        </pc:picChg>
+        <pc:picChg chg="del mod">
+          <ac:chgData name="Ary Farah" userId="b4a11b600c829974" providerId="LiveId" clId="{DF3F21A5-97B1-4E04-8BB2-6BCC0C4A6933}" dt="2024-03-26T12:08:55.008" v="289" actId="478"/>
+          <ac:picMkLst>
+            <pc:docMk/>
+            <pc:sldMk cId="2631654670" sldId="270"/>
+            <ac:picMk id="12" creationId="{E5348EF0-5AFB-9000-7A67-7675BF492AF0}"/>
+          </ac:picMkLst>
+        </pc:picChg>
+      </pc:sldChg>
+      <pc:sldChg chg="add del">
+        <pc:chgData name="Ary Farah" userId="b4a11b600c829974" providerId="LiveId" clId="{DF3F21A5-97B1-4E04-8BB2-6BCC0C4A6933}" dt="2024-03-26T12:08:15.802" v="281" actId="47"/>
+        <pc:sldMkLst>
+          <pc:docMk/>
+          <pc:sldMk cId="3498309436" sldId="271"/>
+        </pc:sldMkLst>
+      </pc:sldChg>
+      <pc:sldChg chg="modSp add mod">
+        <pc:chgData name="Ary Farah" userId="b4a11b600c829974" providerId="LiveId" clId="{DF3F21A5-97B1-4E04-8BB2-6BCC0C4A6933}" dt="2024-03-26T12:08:03.960" v="279" actId="1076"/>
+        <pc:sldMkLst>
+          <pc:docMk/>
+          <pc:sldMk cId="2180735788" sldId="272"/>
+        </pc:sldMkLst>
+        <pc:picChg chg="mod">
+          <ac:chgData name="Ary Farah" userId="b4a11b600c829974" providerId="LiveId" clId="{DF3F21A5-97B1-4E04-8BB2-6BCC0C4A6933}" dt="2024-03-26T12:08:03.960" v="279" actId="1076"/>
+          <ac:picMkLst>
+            <pc:docMk/>
+            <pc:sldMk cId="2180735788" sldId="272"/>
+            <ac:picMk id="8" creationId="{C93D7CFE-BEE7-5C72-4A72-110405498306}"/>
+          </ac:picMkLst>
+        </pc:picChg>
+        <pc:picChg chg="mod">
+          <ac:chgData name="Ary Farah" userId="b4a11b600c829974" providerId="LiveId" clId="{DF3F21A5-97B1-4E04-8BB2-6BCC0C4A6933}" dt="2024-03-26T12:08:03.960" v="279" actId="1076"/>
+          <ac:picMkLst>
+            <pc:docMk/>
+            <pc:sldMk cId="2180735788" sldId="272"/>
+            <ac:picMk id="10" creationId="{3D57CB32-C928-FEF6-1011-22B5BAE19ABE}"/>
+          </ac:picMkLst>
+        </pc:picChg>
+        <pc:picChg chg="mod">
+          <ac:chgData name="Ary Farah" userId="b4a11b600c829974" providerId="LiveId" clId="{DF3F21A5-97B1-4E04-8BB2-6BCC0C4A6933}" dt="2024-03-26T12:08:03.960" v="279" actId="1076"/>
+          <ac:picMkLst>
+            <pc:docMk/>
+            <pc:sldMk cId="2180735788" sldId="272"/>
+            <ac:picMk id="12" creationId="{A079B01D-D1FD-A4A9-B96D-B258B731D3C5}"/>
+          </ac:picMkLst>
+        </pc:picChg>
+      </pc:sldChg>
+      <pc:sldChg chg="add">
+        <pc:chgData name="Ary Farah" userId="b4a11b600c829974" providerId="LiveId" clId="{DF3F21A5-97B1-4E04-8BB2-6BCC0C4A6933}" dt="2024-03-26T11:46:53.085" v="95"/>
+        <pc:sldMkLst>
+          <pc:docMk/>
+          <pc:sldMk cId="196164225" sldId="273"/>
+        </pc:sldMkLst>
+      </pc:sldChg>
+      <pc:sldChg chg="modSp add mod">
+        <pc:chgData name="Ary Farah" userId="b4a11b600c829974" providerId="LiveId" clId="{DF3F21A5-97B1-4E04-8BB2-6BCC0C4A6933}" dt="2024-03-26T12:04:01.332" v="253" actId="1076"/>
+        <pc:sldMkLst>
+          <pc:docMk/>
+          <pc:sldMk cId="3871759289" sldId="274"/>
+        </pc:sldMkLst>
+        <pc:picChg chg="mod">
+          <ac:chgData name="Ary Farah" userId="b4a11b600c829974" providerId="LiveId" clId="{DF3F21A5-97B1-4E04-8BB2-6BCC0C4A6933}" dt="2024-03-26T12:04:01.332" v="253" actId="1076"/>
+          <ac:picMkLst>
+            <pc:docMk/>
+            <pc:sldMk cId="3871759289" sldId="274"/>
+            <ac:picMk id="4" creationId="{981210CA-5CE8-C3E9-531B-8C42D5B58289}"/>
+          </ac:picMkLst>
+        </pc:picChg>
+      </pc:sldChg>
+      <pc:sldChg chg="add del">
+        <pc:chgData name="Ary Farah" userId="b4a11b600c829974" providerId="LiveId" clId="{DF3F21A5-97B1-4E04-8BB2-6BCC0C4A6933}" dt="2024-03-26T12:05:53.396" v="264" actId="47"/>
+        <pc:sldMkLst>
+          <pc:docMk/>
+          <pc:sldMk cId="706974448" sldId="275"/>
+        </pc:sldMkLst>
+      </pc:sldChg>
+      <pc:sldChg chg="modSp add mod">
+        <pc:chgData name="Ary Farah" userId="b4a11b600c829974" providerId="LiveId" clId="{DF3F21A5-97B1-4E04-8BB2-6BCC0C4A6933}" dt="2024-03-26T12:03:48.112" v="248" actId="1076"/>
+        <pc:sldMkLst>
+          <pc:docMk/>
+          <pc:sldMk cId="4123014786" sldId="276"/>
+        </pc:sldMkLst>
+        <pc:picChg chg="mod">
+          <ac:chgData name="Ary Farah" userId="b4a11b600c829974" providerId="LiveId" clId="{DF3F21A5-97B1-4E04-8BB2-6BCC0C4A6933}" dt="2024-03-26T12:03:48.112" v="248" actId="1076"/>
+          <ac:picMkLst>
+            <pc:docMk/>
+            <pc:sldMk cId="4123014786" sldId="276"/>
+            <ac:picMk id="4" creationId="{A0353E5C-C14B-DD26-E019-1E9DE1175CB0}"/>
+          </ac:picMkLst>
+        </pc:picChg>
+      </pc:sldChg>
+      <pc:sldChg chg="add del">
+        <pc:chgData name="Ary Farah" userId="b4a11b600c829974" providerId="LiveId" clId="{DF3F21A5-97B1-4E04-8BB2-6BCC0C4A6933}" dt="2024-03-26T12:05:54.967" v="265" actId="47"/>
+        <pc:sldMkLst>
+          <pc:docMk/>
+          <pc:sldMk cId="3225285214" sldId="277"/>
+        </pc:sldMkLst>
+      </pc:sldChg>
+      <pc:sldChg chg="modSp add mod">
+        <pc:chgData name="Ary Farah" userId="b4a11b600c829974" providerId="LiveId" clId="{DF3F21A5-97B1-4E04-8BB2-6BCC0C4A6933}" dt="2024-03-26T12:04:23.852" v="257" actId="1076"/>
+        <pc:sldMkLst>
+          <pc:docMk/>
+          <pc:sldMk cId="2587773288" sldId="278"/>
+        </pc:sldMkLst>
+        <pc:picChg chg="mod">
+          <ac:chgData name="Ary Farah" userId="b4a11b600c829974" providerId="LiveId" clId="{DF3F21A5-97B1-4E04-8BB2-6BCC0C4A6933}" dt="2024-03-26T12:04:23.852" v="257" actId="1076"/>
+          <ac:picMkLst>
+            <pc:docMk/>
+            <pc:sldMk cId="2587773288" sldId="278"/>
+            <ac:picMk id="4" creationId="{D69AC51C-D160-C652-B88F-6A924CC27F99}"/>
+          </ac:picMkLst>
+        </pc:picChg>
+      </pc:sldChg>
+      <pc:sldChg chg="add del">
+        <pc:chgData name="Ary Farah" userId="b4a11b600c829974" providerId="LiveId" clId="{DF3F21A5-97B1-4E04-8BB2-6BCC0C4A6933}" dt="2024-03-26T12:05:56.976" v="266" actId="47"/>
+        <pc:sldMkLst>
+          <pc:docMk/>
+          <pc:sldMk cId="409123544" sldId="279"/>
+        </pc:sldMkLst>
+      </pc:sldChg>
+      <pc:sldChg chg="modSp add mod">
+        <pc:chgData name="Ary Farah" userId="b4a11b600c829974" providerId="LiveId" clId="{DF3F21A5-97B1-4E04-8BB2-6BCC0C4A6933}" dt="2024-03-26T12:04:37.139" v="263" actId="1076"/>
+        <pc:sldMkLst>
+          <pc:docMk/>
+          <pc:sldMk cId="1993852031" sldId="280"/>
+        </pc:sldMkLst>
+        <pc:picChg chg="mod">
+          <ac:chgData name="Ary Farah" userId="b4a11b600c829974" providerId="LiveId" clId="{DF3F21A5-97B1-4E04-8BB2-6BCC0C4A6933}" dt="2024-03-26T12:04:37.139" v="263" actId="1076"/>
+          <ac:picMkLst>
+            <pc:docMk/>
+            <pc:sldMk cId="1993852031" sldId="280"/>
+            <ac:picMk id="4" creationId="{9D053730-1814-18D1-E31A-5457A74891CA}"/>
+          </ac:picMkLst>
+        </pc:picChg>
+      </pc:sldChg>
+      <pc:sldChg chg="add">
+        <pc:chgData name="Ary Farah" userId="b4a11b600c829974" providerId="LiveId" clId="{DF3F21A5-97B1-4E04-8BB2-6BCC0C4A6933}" dt="2024-03-26T12:06:03.893" v="267"/>
+        <pc:sldMkLst>
+          <pc:docMk/>
+          <pc:sldMk cId="1715084742" sldId="281"/>
+        </pc:sldMkLst>
+      </pc:sldChg>
+    </pc:docChg>
+  </pc:docChgLst>
 </pc:chgInfo>
 </file>
 
@@ -371,7 +842,7 @@
           <a:p>
             <a:fld id="{5477F272-5102-41AE-9590-F3FA2629C121}" type="datetimeFigureOut">
               <a:rPr lang="pt-BR" smtClean="0"/>
-              <a:t>24/03/2024</a:t>
+              <a:t>26/03/2024</a:t>
             </a:fld>
             <a:endParaRPr lang="pt-BR"/>
           </a:p>
@@ -413,7 +884,7 @@
           <a:p>
             <a:fld id="{79D7372B-5589-45CA-8A12-CF4F312AF3AB}" type="slidenum">
               <a:rPr lang="pt-BR" smtClean="0"/>
-              <a:t>‹#›</a:t>
+              <a:t>‹nº›</a:t>
             </a:fld>
             <a:endParaRPr lang="pt-BR"/>
           </a:p>
@@ -669,7 +1140,7 @@
           <a:p>
             <a:fld id="{5477F272-5102-41AE-9590-F3FA2629C121}" type="datetimeFigureOut">
               <a:rPr lang="pt-BR" smtClean="0"/>
-              <a:t>24/03/2024</a:t>
+              <a:t>26/03/2024</a:t>
             </a:fld>
             <a:endParaRPr lang="pt-BR"/>
           </a:p>
@@ -711,7 +1182,7 @@
           <a:p>
             <a:fld id="{79D7372B-5589-45CA-8A12-CF4F312AF3AB}" type="slidenum">
               <a:rPr lang="pt-BR" smtClean="0"/>
-              <a:t>‹#›</a:t>
+              <a:t>‹nº›</a:t>
             </a:fld>
             <a:endParaRPr lang="pt-BR"/>
           </a:p>
@@ -861,7 +1332,7 @@
           <a:p>
             <a:fld id="{5477F272-5102-41AE-9590-F3FA2629C121}" type="datetimeFigureOut">
               <a:rPr lang="pt-BR" smtClean="0"/>
-              <a:t>24/03/2024</a:t>
+              <a:t>26/03/2024</a:t>
             </a:fld>
             <a:endParaRPr lang="pt-BR"/>
           </a:p>
@@ -903,7 +1374,7 @@
           <a:p>
             <a:fld id="{79D7372B-5589-45CA-8A12-CF4F312AF3AB}" type="slidenum">
               <a:rPr lang="pt-BR" smtClean="0"/>
-              <a:t>‹#›</a:t>
+              <a:t>‹nº›</a:t>
             </a:fld>
             <a:endParaRPr lang="pt-BR"/>
           </a:p>
@@ -1122,7 +1593,7 @@
           <a:p>
             <a:fld id="{5477F272-5102-41AE-9590-F3FA2629C121}" type="datetimeFigureOut">
               <a:rPr lang="pt-BR" smtClean="0"/>
-              <a:t>24/03/2024</a:t>
+              <a:t>26/03/2024</a:t>
             </a:fld>
             <a:endParaRPr lang="pt-BR"/>
           </a:p>
@@ -1164,7 +1635,7 @@
           <a:p>
             <a:fld id="{79D7372B-5589-45CA-8A12-CF4F312AF3AB}" type="slidenum">
               <a:rPr lang="pt-BR" smtClean="0"/>
-              <a:t>‹#›</a:t>
+              <a:t>‹nº›</a:t>
             </a:fld>
             <a:endParaRPr lang="pt-BR"/>
           </a:p>
@@ -1546,7 +2017,7 @@
           <a:p>
             <a:fld id="{5477F272-5102-41AE-9590-F3FA2629C121}" type="datetimeFigureOut">
               <a:rPr lang="pt-BR" smtClean="0"/>
-              <a:t>24/03/2024</a:t>
+              <a:t>26/03/2024</a:t>
             </a:fld>
             <a:endParaRPr lang="pt-BR"/>
           </a:p>
@@ -1588,7 +2059,7 @@
           <a:p>
             <a:fld id="{79D7372B-5589-45CA-8A12-CF4F312AF3AB}" type="slidenum">
               <a:rPr lang="pt-BR" smtClean="0"/>
-              <a:t>‹#›</a:t>
+              <a:t>‹nº›</a:t>
             </a:fld>
             <a:endParaRPr lang="pt-BR"/>
           </a:p>
@@ -2083,7 +2554,7 @@
           <a:p>
             <a:fld id="{5477F272-5102-41AE-9590-F3FA2629C121}" type="datetimeFigureOut">
               <a:rPr lang="pt-BR" smtClean="0"/>
-              <a:t>24/03/2024</a:t>
+              <a:t>26/03/2024</a:t>
             </a:fld>
             <a:endParaRPr lang="pt-BR"/>
           </a:p>
@@ -2125,7 +2596,7 @@
           <a:p>
             <a:fld id="{79D7372B-5589-45CA-8A12-CF4F312AF3AB}" type="slidenum">
               <a:rPr lang="pt-BR" smtClean="0"/>
-              <a:t>‹#›</a:t>
+              <a:t>‹nº›</a:t>
             </a:fld>
             <a:endParaRPr lang="pt-BR"/>
           </a:p>
@@ -2947,7 +3418,7 @@
           <a:p>
             <a:fld id="{5477F272-5102-41AE-9590-F3FA2629C121}" type="datetimeFigureOut">
               <a:rPr lang="pt-BR" smtClean="0"/>
-              <a:t>24/03/2024</a:t>
+              <a:t>26/03/2024</a:t>
             </a:fld>
             <a:endParaRPr lang="pt-BR"/>
           </a:p>
@@ -2989,7 +3460,7 @@
           <a:p>
             <a:fld id="{79D7372B-5589-45CA-8A12-CF4F312AF3AB}" type="slidenum">
               <a:rPr lang="pt-BR" smtClean="0"/>
-              <a:t>‹#›</a:t>
+              <a:t>‹nº›</a:t>
             </a:fld>
             <a:endParaRPr lang="pt-BR"/>
           </a:p>
@@ -3117,7 +3588,7 @@
           <a:p>
             <a:fld id="{5477F272-5102-41AE-9590-F3FA2629C121}" type="datetimeFigureOut">
               <a:rPr lang="pt-BR" smtClean="0"/>
-              <a:t>24/03/2024</a:t>
+              <a:t>26/03/2024</a:t>
             </a:fld>
             <a:endParaRPr lang="pt-BR"/>
           </a:p>
@@ -3159,7 +3630,7 @@
           <a:p>
             <a:fld id="{79D7372B-5589-45CA-8A12-CF4F312AF3AB}" type="slidenum">
               <a:rPr lang="pt-BR" smtClean="0"/>
-              <a:t>‹#›</a:t>
+              <a:t>‹nº›</a:t>
             </a:fld>
             <a:endParaRPr lang="pt-BR"/>
           </a:p>
@@ -3301,7 +3772,7 @@
           <a:p>
             <a:fld id="{5477F272-5102-41AE-9590-F3FA2629C121}" type="datetimeFigureOut">
               <a:rPr lang="pt-BR" smtClean="0"/>
-              <a:t>24/03/2024</a:t>
+              <a:t>26/03/2024</a:t>
             </a:fld>
             <a:endParaRPr lang="pt-BR"/>
           </a:p>
@@ -3343,7 +3814,7 @@
           <a:p>
             <a:fld id="{79D7372B-5589-45CA-8A12-CF4F312AF3AB}" type="slidenum">
               <a:rPr lang="pt-BR" smtClean="0"/>
-              <a:t>‹#›</a:t>
+              <a:t>‹nº›</a:t>
             </a:fld>
             <a:endParaRPr lang="pt-BR"/>
           </a:p>
@@ -3471,7 +3942,7 @@
           <a:p>
             <a:fld id="{5477F272-5102-41AE-9590-F3FA2629C121}" type="datetimeFigureOut">
               <a:rPr lang="pt-BR" smtClean="0"/>
-              <a:t>24/03/2024</a:t>
+              <a:t>26/03/2024</a:t>
             </a:fld>
             <a:endParaRPr lang="pt-BR"/>
           </a:p>
@@ -3513,7 +3984,7 @@
           <a:p>
             <a:fld id="{79D7372B-5589-45CA-8A12-CF4F312AF3AB}" type="slidenum">
               <a:rPr lang="pt-BR" smtClean="0"/>
-              <a:t>‹#›</a:t>
+              <a:t>‹nº›</a:t>
             </a:fld>
             <a:endParaRPr lang="pt-BR"/>
           </a:p>
@@ -3715,7 +4186,7 @@
           <a:p>
             <a:fld id="{5477F272-5102-41AE-9590-F3FA2629C121}" type="datetimeFigureOut">
               <a:rPr lang="pt-BR" smtClean="0"/>
-              <a:t>24/03/2024</a:t>
+              <a:t>26/03/2024</a:t>
             </a:fld>
             <a:endParaRPr lang="pt-BR"/>
           </a:p>
@@ -3757,7 +4228,7 @@
           <a:p>
             <a:fld id="{79D7372B-5589-45CA-8A12-CF4F312AF3AB}" type="slidenum">
               <a:rPr lang="pt-BR" smtClean="0"/>
-              <a:t>‹#›</a:t>
+              <a:t>‹nº›</a:t>
             </a:fld>
             <a:endParaRPr lang="pt-BR"/>
           </a:p>
@@ -3951,7 +4422,7 @@
           <a:p>
             <a:fld id="{5477F272-5102-41AE-9590-F3FA2629C121}" type="datetimeFigureOut">
               <a:rPr lang="pt-BR" smtClean="0"/>
-              <a:t>24/03/2024</a:t>
+              <a:t>26/03/2024</a:t>
             </a:fld>
             <a:endParaRPr lang="pt-BR"/>
           </a:p>
@@ -3993,7 +4464,7 @@
           <a:p>
             <a:fld id="{79D7372B-5589-45CA-8A12-CF4F312AF3AB}" type="slidenum">
               <a:rPr lang="pt-BR" smtClean="0"/>
-              <a:t>‹#›</a:t>
+              <a:t>‹nº›</a:t>
             </a:fld>
             <a:endParaRPr lang="pt-BR"/>
           </a:p>
@@ -4417,7 +4888,7 @@
           <a:p>
             <a:fld id="{5477F272-5102-41AE-9590-F3FA2629C121}" type="datetimeFigureOut">
               <a:rPr lang="pt-BR" smtClean="0"/>
-              <a:t>24/03/2024</a:t>
+              <a:t>26/03/2024</a:t>
             </a:fld>
             <a:endParaRPr lang="pt-BR"/>
           </a:p>
@@ -4459,7 +4930,7 @@
           <a:p>
             <a:fld id="{79D7372B-5589-45CA-8A12-CF4F312AF3AB}" type="slidenum">
               <a:rPr lang="pt-BR" smtClean="0"/>
-              <a:t>‹#›</a:t>
+              <a:t>‹nº›</a:t>
             </a:fld>
             <a:endParaRPr lang="pt-BR"/>
           </a:p>
@@ -4535,7 +5006,7 @@
           <a:p>
             <a:fld id="{5477F272-5102-41AE-9590-F3FA2629C121}" type="datetimeFigureOut">
               <a:rPr lang="pt-BR" smtClean="0"/>
-              <a:t>24/03/2024</a:t>
+              <a:t>26/03/2024</a:t>
             </a:fld>
             <a:endParaRPr lang="pt-BR"/>
           </a:p>
@@ -4577,7 +5048,7 @@
           <a:p>
             <a:fld id="{79D7372B-5589-45CA-8A12-CF4F312AF3AB}" type="slidenum">
               <a:rPr lang="pt-BR" smtClean="0"/>
-              <a:t>‹#›</a:t>
+              <a:t>‹nº›</a:t>
             </a:fld>
             <a:endParaRPr lang="pt-BR"/>
           </a:p>
@@ -4630,7 +5101,7 @@
           <a:p>
             <a:fld id="{5477F272-5102-41AE-9590-F3FA2629C121}" type="datetimeFigureOut">
               <a:rPr lang="pt-BR" smtClean="0"/>
-              <a:t>24/03/2024</a:t>
+              <a:t>26/03/2024</a:t>
             </a:fld>
             <a:endParaRPr lang="pt-BR"/>
           </a:p>
@@ -4672,7 +5143,7 @@
           <a:p>
             <a:fld id="{79D7372B-5589-45CA-8A12-CF4F312AF3AB}" type="slidenum">
               <a:rPr lang="pt-BR" smtClean="0"/>
-              <a:t>‹#›</a:t>
+              <a:t>‹nº›</a:t>
             </a:fld>
             <a:endParaRPr lang="pt-BR"/>
           </a:p>
@@ -4885,7 +5356,7 @@
           <a:p>
             <a:fld id="{5477F272-5102-41AE-9590-F3FA2629C121}" type="datetimeFigureOut">
               <a:rPr lang="pt-BR" smtClean="0"/>
-              <a:t>24/03/2024</a:t>
+              <a:t>26/03/2024</a:t>
             </a:fld>
             <a:endParaRPr lang="pt-BR"/>
           </a:p>
@@ -4927,7 +5398,7 @@
           <a:p>
             <a:fld id="{79D7372B-5589-45CA-8A12-CF4F312AF3AB}" type="slidenum">
               <a:rPr lang="pt-BR" smtClean="0"/>
-              <a:t>‹#›</a:t>
+              <a:t>‹nº›</a:t>
             </a:fld>
             <a:endParaRPr lang="pt-BR"/>
           </a:p>
@@ -5185,7 +5656,7 @@
           <a:p>
             <a:fld id="{5477F272-5102-41AE-9590-F3FA2629C121}" type="datetimeFigureOut">
               <a:rPr lang="pt-BR" smtClean="0"/>
-              <a:t>24/03/2024</a:t>
+              <a:t>26/03/2024</a:t>
             </a:fld>
             <a:endParaRPr lang="pt-BR"/>
           </a:p>
@@ -5227,7 +5698,7 @@
           <a:p>
             <a:fld id="{79D7372B-5589-45CA-8A12-CF4F312AF3AB}" type="slidenum">
               <a:rPr lang="pt-BR" smtClean="0"/>
-              <a:t>‹#›</a:t>
+              <a:t>‹nº›</a:t>
             </a:fld>
             <a:endParaRPr lang="pt-BR"/>
           </a:p>
@@ -5419,7 +5890,7 @@
           <a:p>
             <a:fld id="{5477F272-5102-41AE-9590-F3FA2629C121}" type="datetimeFigureOut">
               <a:rPr lang="pt-BR" smtClean="0"/>
-              <a:t>24/03/2024</a:t>
+              <a:t>26/03/2024</a:t>
             </a:fld>
             <a:endParaRPr lang="pt-BR"/>
           </a:p>
@@ -5511,7 +5982,7 @@
           <a:p>
             <a:fld id="{79D7372B-5589-45CA-8A12-CF4F312AF3AB}" type="slidenum">
               <a:rPr lang="pt-BR" smtClean="0"/>
-              <a:t>‹#›</a:t>
+              <a:t>‹nº›</a:t>
             </a:fld>
             <a:endParaRPr lang="pt-BR"/>
           </a:p>
@@ -6117,16 +6588,19 @@
         </p:spPr>
         <p:txBody>
           <a:bodyPr>
-            <a:normAutofit/>
+            <a:noAutofit/>
           </a:bodyPr>
           <a:lstStyle/>
           <a:p>
             <a:r>
-              <a:rPr lang="pt-BR" sz="7200" dirty="0">
+              <a:rPr lang="pt-BR" sz="9600" dirty="0" err="1">
                 <a:latin typeface="Amasis MT Pro Black" panose="02040A04050005020304" pitchFamily="18" charset="0"/>
               </a:rPr>
-              <a:t>Concepção do Produto</a:t>
-            </a:r>
+              <a:t>AutoChoice</a:t>
+            </a:r>
+            <a:endParaRPr lang="pt-BR" sz="9600" dirty="0">
+              <a:latin typeface="Amasis MT Pro Black" panose="02040A04050005020304" pitchFamily="18" charset="0"/>
+            </a:endParaRPr>
           </a:p>
         </p:txBody>
       </p:sp>
@@ -6236,7 +6710,7 @@
         </p:spPr>
         <p:txBody>
           <a:bodyPr vert="horz" lIns="91440" tIns="45720" rIns="91440" bIns="45720" rtlCol="0" anchor="b">
-            <a:normAutofit/>
+            <a:noAutofit/>
           </a:bodyPr>
           <a:lstStyle>
             <a:lvl1pPr algn="ctr" defTabSz="457200" rtl="0" eaLnBrk="1" latinLnBrk="0" hangingPunct="1">
@@ -6328,14 +6802,20 @@
           </a:lstStyle>
           <a:p>
             <a:r>
-              <a:rPr lang="pt-BR" sz="7200" dirty="0">
+              <a:rPr lang="pt-BR" sz="9600" dirty="0" err="1">
                 <a:solidFill>
                   <a:srgbClr val="FFC000"/>
                 </a:solidFill>
                 <a:latin typeface="Amasis MT Pro Black" panose="02040A04050005020304" pitchFamily="18" charset="0"/>
               </a:rPr>
-              <a:t>Concepção do Produto</a:t>
-            </a:r>
+              <a:t>AutoChoice</a:t>
+            </a:r>
+            <a:endParaRPr lang="pt-BR" sz="9600" dirty="0">
+              <a:solidFill>
+                <a:srgbClr val="FFC000"/>
+              </a:solidFill>
+              <a:latin typeface="Amasis MT Pro Black" panose="02040A04050005020304" pitchFamily="18" charset="0"/>
+            </a:endParaRPr>
           </a:p>
         </p:txBody>
       </p:sp>
@@ -6432,363 +6912,7 @@
 </p:sld>
 </file>
 
-<file path=ppt/slides/slide2.xml><?xml version="1.0" encoding="utf-8"?>
-<p:sld xmlns:a="http://schemas.openxmlformats.org/drawingml/2006/main" xmlns:r="http://schemas.openxmlformats.org/officeDocument/2006/relationships" xmlns:p="http://schemas.openxmlformats.org/presentationml/2006/main">
-  <p:cSld>
-    <p:spTree>
-      <p:nvGrpSpPr>
-        <p:cNvPr id="1" name=""/>
-        <p:cNvGrpSpPr/>
-        <p:nvPr/>
-      </p:nvGrpSpPr>
-      <p:grpSpPr>
-        <a:xfrm>
-          <a:off x="0" y="0"/>
-          <a:ext cx="0" cy="0"/>
-          <a:chOff x="0" y="0"/>
-          <a:chExt cx="0" cy="0"/>
-        </a:xfrm>
-      </p:grpSpPr>
-      <p:sp>
-        <p:nvSpPr>
-          <p:cNvPr id="2" name="Título 1">
-            <a:extLst>
-              <a:ext uri="{FF2B5EF4-FFF2-40B4-BE49-F238E27FC236}">
-                <a16:creationId xmlns:a16="http://schemas.microsoft.com/office/drawing/2014/main" id="{2CE5E45E-400B-5736-841C-937CB386076D}"/>
-              </a:ext>
-            </a:extLst>
-          </p:cNvPr>
-          <p:cNvSpPr>
-            <a:spLocks noGrp="1"/>
-          </p:cNvSpPr>
-          <p:nvPr>
-            <p:ph type="title"/>
-          </p:nvPr>
-        </p:nvSpPr>
-        <p:spPr>
-          <a:xfrm>
-            <a:off x="0" y="0"/>
-            <a:ext cx="4683877" cy="970450"/>
-          </a:xfrm>
-        </p:spPr>
-        <p:txBody>
-          <a:bodyPr/>
-          <a:lstStyle/>
-          <a:p>
-            <a:r>
-              <a:rPr lang="pt-BR" dirty="0"/>
-              <a:t>Nome do Produto</a:t>
-            </a:r>
-          </a:p>
-        </p:txBody>
-      </p:sp>
-      <p:cxnSp>
-        <p:nvCxnSpPr>
-          <p:cNvPr id="5" name="Conector reto 4">
-            <a:extLst>
-              <a:ext uri="{FF2B5EF4-FFF2-40B4-BE49-F238E27FC236}">
-                <a16:creationId xmlns:a16="http://schemas.microsoft.com/office/drawing/2014/main" id="{68BBCB1E-E449-C31E-8D54-B2F0726FF87F}"/>
-              </a:ext>
-            </a:extLst>
-          </p:cNvPr>
-          <p:cNvCxnSpPr>
-            <a:cxnSpLocks/>
-          </p:cNvCxnSpPr>
-          <p:nvPr/>
-        </p:nvCxnSpPr>
-        <p:spPr>
-          <a:xfrm>
-            <a:off x="0" y="879010"/>
-            <a:ext cx="5415280" cy="0"/>
-          </a:xfrm>
-          <a:prstGeom prst="line">
-            <a:avLst/>
-          </a:prstGeom>
-        </p:spPr>
-        <p:style>
-          <a:lnRef idx="2">
-            <a:schemeClr val="accent2"/>
-          </a:lnRef>
-          <a:fillRef idx="0">
-            <a:schemeClr val="accent2"/>
-          </a:fillRef>
-          <a:effectRef idx="1">
-            <a:schemeClr val="accent2"/>
-          </a:effectRef>
-          <a:fontRef idx="minor">
-            <a:schemeClr val="tx1"/>
-          </a:fontRef>
-        </p:style>
-      </p:cxnSp>
-      <p:pic>
-        <p:nvPicPr>
-          <p:cNvPr id="12" name="Imagem 11" descr="Desenho de um círculo&#10;&#10;Descrição gerada automaticamente com confiança baixa">
-            <a:extLst>
-              <a:ext uri="{FF2B5EF4-FFF2-40B4-BE49-F238E27FC236}">
-                <a16:creationId xmlns:a16="http://schemas.microsoft.com/office/drawing/2014/main" id="{6FF7978D-DB4E-D2EE-B2D2-8F8DD94189AC}"/>
-              </a:ext>
-            </a:extLst>
-          </p:cNvPr>
-          <p:cNvPicPr>
-            <a:picLocks noChangeAspect="1"/>
-          </p:cNvPicPr>
-          <p:nvPr/>
-        </p:nvPicPr>
-        <p:blipFill>
-          <a:blip r:embed="rId2">
-            <a:extLst>
-              <a:ext uri="{28A0092B-C50C-407E-A947-70E740481C1C}">
-                <a14:useLocalDpi xmlns:a14="http://schemas.microsoft.com/office/drawing/2010/main" val="0"/>
-              </a:ext>
-            </a:extLst>
-          </a:blip>
-          <a:stretch>
-            <a:fillRect/>
-          </a:stretch>
-        </p:blipFill>
-        <p:spPr>
-          <a:xfrm>
-            <a:off x="548645" y="1218706"/>
-            <a:ext cx="5830604" cy="2969676"/>
-          </a:xfrm>
-          <a:prstGeom prst="rect">
-            <a:avLst/>
-          </a:prstGeom>
-        </p:spPr>
-      </p:pic>
-      <p:pic>
-        <p:nvPicPr>
-          <p:cNvPr id="8" name="Imagem 7" descr="Logotipo&#10;&#10;Descrição gerada automaticamente">
-            <a:extLst>
-              <a:ext uri="{FF2B5EF4-FFF2-40B4-BE49-F238E27FC236}">
-                <a16:creationId xmlns:a16="http://schemas.microsoft.com/office/drawing/2014/main" id="{F9A30EFD-7A19-4A22-16F5-B15967EFB491}"/>
-              </a:ext>
-            </a:extLst>
-          </p:cNvPr>
-          <p:cNvPicPr>
-            <a:picLocks noChangeAspect="1"/>
-          </p:cNvPicPr>
-          <p:nvPr/>
-        </p:nvPicPr>
-        <p:blipFill>
-          <a:blip r:embed="rId3">
-            <a:extLst>
-              <a:ext uri="{28A0092B-C50C-407E-A947-70E740481C1C}">
-                <a14:useLocalDpi xmlns:a14="http://schemas.microsoft.com/office/drawing/2010/main" val="0"/>
-              </a:ext>
-            </a:extLst>
-          </a:blip>
-          <a:stretch>
-            <a:fillRect/>
-          </a:stretch>
-        </p:blipFill>
-        <p:spPr>
-          <a:xfrm>
-            <a:off x="5831840" y="3429000"/>
-            <a:ext cx="6121491" cy="3196259"/>
-          </a:xfrm>
-          <a:prstGeom prst="rect">
-            <a:avLst/>
-          </a:prstGeom>
-        </p:spPr>
-      </p:pic>
-    </p:spTree>
-    <p:extLst>
-      <p:ext uri="{BB962C8B-B14F-4D97-AF65-F5344CB8AC3E}">
-        <p14:creationId xmlns:p14="http://schemas.microsoft.com/office/powerpoint/2010/main" val="3669458264"/>
-      </p:ext>
-    </p:extLst>
-  </p:cSld>
-  <p:clrMapOvr>
-    <a:masterClrMapping/>
-  </p:clrMapOvr>
-  <mc:AlternateContent xmlns:mc="http://schemas.openxmlformats.org/markup-compatibility/2006" xmlns:p159="http://schemas.microsoft.com/office/powerpoint/2015/09/main">
-    <mc:Choice Requires="p159">
-      <p:transition xmlns:p14="http://schemas.microsoft.com/office/powerpoint/2010/main" spd="slow" p14:dur="2000">
-        <p159:morph option="byObject"/>
-      </p:transition>
-    </mc:Choice>
-    <mc:Fallback xmlns="">
-      <p:transition spd="slow">
-        <p:fade/>
-      </p:transition>
-    </mc:Fallback>
-  </mc:AlternateContent>
-</p:sld>
-</file>
-
-<file path=ppt/slides/slide3.xml><?xml version="1.0" encoding="utf-8"?>
-<p:sld xmlns:a="http://schemas.openxmlformats.org/drawingml/2006/main" xmlns:r="http://schemas.openxmlformats.org/officeDocument/2006/relationships" xmlns:p="http://schemas.openxmlformats.org/presentationml/2006/main">
-  <p:cSld>
-    <p:spTree>
-      <p:nvGrpSpPr>
-        <p:cNvPr id="1" name=""/>
-        <p:cNvGrpSpPr/>
-        <p:nvPr/>
-      </p:nvGrpSpPr>
-      <p:grpSpPr>
-        <a:xfrm>
-          <a:off x="0" y="0"/>
-          <a:ext cx="0" cy="0"/>
-          <a:chOff x="0" y="0"/>
-          <a:chExt cx="0" cy="0"/>
-        </a:xfrm>
-      </p:grpSpPr>
-      <p:pic>
-        <p:nvPicPr>
-          <p:cNvPr id="4" name="Imagem 3">
-            <a:extLst>
-              <a:ext uri="{FF2B5EF4-FFF2-40B4-BE49-F238E27FC236}">
-                <a16:creationId xmlns:a16="http://schemas.microsoft.com/office/drawing/2014/main" id="{EDCABD48-76E8-B96F-0C5D-B198AB5305EC}"/>
-              </a:ext>
-            </a:extLst>
-          </p:cNvPr>
-          <p:cNvPicPr>
-            <a:picLocks noChangeAspect="1"/>
-          </p:cNvPicPr>
-          <p:nvPr/>
-        </p:nvPicPr>
-        <p:blipFill>
-          <a:blip r:embed="rId2"/>
-          <a:stretch>
-            <a:fillRect/>
-          </a:stretch>
-        </p:blipFill>
-        <p:spPr>
-          <a:xfrm>
-            <a:off x="1785937" y="852487"/>
-            <a:ext cx="8620125" cy="5153025"/>
-          </a:xfrm>
-          <a:prstGeom prst="rect">
-            <a:avLst/>
-          </a:prstGeom>
-          <a:solidFill>
-            <a:schemeClr val="accent2"/>
-          </a:solidFill>
-          <a:ln w="19050">
-            <a:solidFill>
-              <a:srgbClr val="FFC000"/>
-            </a:solidFill>
-          </a:ln>
-        </p:spPr>
-        <p:style>
-          <a:lnRef idx="2">
-            <a:schemeClr val="accent2"/>
-          </a:lnRef>
-          <a:fillRef idx="1">
-            <a:schemeClr val="lt1"/>
-          </a:fillRef>
-          <a:effectRef idx="0">
-            <a:schemeClr val="accent2"/>
-          </a:effectRef>
-          <a:fontRef idx="minor">
-            <a:schemeClr val="dk1"/>
-          </a:fontRef>
-        </p:style>
-      </p:pic>
-    </p:spTree>
-    <p:extLst>
-      <p:ext uri="{BB962C8B-B14F-4D97-AF65-F5344CB8AC3E}">
-        <p14:creationId xmlns:p14="http://schemas.microsoft.com/office/powerpoint/2010/main" val="2286150769"/>
-      </p:ext>
-    </p:extLst>
-  </p:cSld>
-  <p:clrMapOvr>
-    <a:masterClrMapping/>
-  </p:clrMapOvr>
-  <mc:AlternateContent xmlns:mc="http://schemas.openxmlformats.org/markup-compatibility/2006" xmlns:p159="http://schemas.microsoft.com/office/powerpoint/2015/09/main">
-    <mc:Choice Requires="p159">
-      <p:transition xmlns:p14="http://schemas.microsoft.com/office/powerpoint/2010/main" spd="slow" p14:dur="2000">
-        <p159:morph option="byObject"/>
-      </p:transition>
-    </mc:Choice>
-    <mc:Fallback xmlns="">
-      <p:transition spd="slow">
-        <p:fade/>
-      </p:transition>
-    </mc:Fallback>
-  </mc:AlternateContent>
-</p:sld>
-</file>
-
-<file path=ppt/slides/slide4.xml><?xml version="1.0" encoding="utf-8"?>
-<p:sld xmlns:a="http://schemas.openxmlformats.org/drawingml/2006/main" xmlns:r="http://schemas.openxmlformats.org/officeDocument/2006/relationships" xmlns:p="http://schemas.openxmlformats.org/presentationml/2006/main">
-  <p:cSld>
-    <p:spTree>
-      <p:nvGrpSpPr>
-        <p:cNvPr id="1" name=""/>
-        <p:cNvGrpSpPr/>
-        <p:nvPr/>
-      </p:nvGrpSpPr>
-      <p:grpSpPr>
-        <a:xfrm>
-          <a:off x="0" y="0"/>
-          <a:ext cx="0" cy="0"/>
-          <a:chOff x="0" y="0"/>
-          <a:chExt cx="0" cy="0"/>
-        </a:xfrm>
-      </p:grpSpPr>
-      <p:pic>
-        <p:nvPicPr>
-          <p:cNvPr id="4" name="Picture 3">
-            <a:extLst>
-              <a:ext uri="{FF2B5EF4-FFF2-40B4-BE49-F238E27FC236}">
-                <a16:creationId xmlns:a16="http://schemas.microsoft.com/office/drawing/2014/main" id="{73A0A39E-D04F-B8C0-6422-0D1036371C73}"/>
-              </a:ext>
-            </a:extLst>
-          </p:cNvPr>
-          <p:cNvPicPr>
-            <a:picLocks noChangeAspect="1"/>
-          </p:cNvPicPr>
-          <p:nvPr/>
-        </p:nvPicPr>
-        <p:blipFill>
-          <a:blip r:embed="rId2"/>
-          <a:stretch>
-            <a:fillRect/>
-          </a:stretch>
-        </p:blipFill>
-        <p:spPr>
-          <a:xfrm>
-            <a:off x="1647825" y="766762"/>
-            <a:ext cx="8896350" cy="5324475"/>
-          </a:xfrm>
-          <a:prstGeom prst="rect">
-            <a:avLst/>
-          </a:prstGeom>
-          <a:ln w="12700">
-            <a:solidFill>
-              <a:srgbClr val="FFCC00"/>
-            </a:solidFill>
-          </a:ln>
-        </p:spPr>
-      </p:pic>
-    </p:spTree>
-    <p:extLst>
-      <p:ext uri="{BB962C8B-B14F-4D97-AF65-F5344CB8AC3E}">
-        <p14:creationId xmlns:p14="http://schemas.microsoft.com/office/powerpoint/2010/main" val="402454906"/>
-      </p:ext>
-    </p:extLst>
-  </p:cSld>
-  <p:clrMapOvr>
-    <a:masterClrMapping/>
-  </p:clrMapOvr>
-  <mc:AlternateContent xmlns:mc="http://schemas.openxmlformats.org/markup-compatibility/2006" xmlns:p159="http://schemas.microsoft.com/office/powerpoint/2015/09/main">
-    <mc:Choice Requires="p159">
-      <p:transition xmlns:p14="http://schemas.microsoft.com/office/powerpoint/2010/main" spd="slow" p14:dur="2000">
-        <p159:morph option="byObject"/>
-      </p:transition>
-    </mc:Choice>
-    <mc:Fallback xmlns="">
-      <p:transition spd="slow">
-        <p:fade/>
-      </p:transition>
-    </mc:Fallback>
-  </mc:AlternateContent>
-</p:sld>
-</file>
-
-<file path=ppt/slides/slide5.xml><?xml version="1.0" encoding="utf-8"?>
+<file path=ppt/slides/slide10.xml><?xml version="1.0" encoding="utf-8"?>
 <p:sld xmlns:a="http://schemas.openxmlformats.org/drawingml/2006/main" xmlns:r="http://schemas.openxmlformats.org/officeDocument/2006/relationships" xmlns:p="http://schemas.openxmlformats.org/presentationml/2006/main">
   <p:cSld>
     <p:spTree>
@@ -6938,7 +7062,943 @@
 </p:sld>
 </file>
 
-<file path=ppt/slides/slide6.xml><?xml version="1.0" encoding="utf-8"?>
+<file path=ppt/slides/slide11.xml><?xml version="1.0" encoding="utf-8"?>
+<p:sld xmlns:a="http://schemas.openxmlformats.org/drawingml/2006/main" xmlns:r="http://schemas.openxmlformats.org/officeDocument/2006/relationships" xmlns:p="http://schemas.openxmlformats.org/presentationml/2006/main">
+  <p:cSld>
+    <p:spTree>
+      <p:nvGrpSpPr>
+        <p:cNvPr id="1" name="">
+          <a:extLst>
+            <a:ext uri="{FF2B5EF4-FFF2-40B4-BE49-F238E27FC236}">
+              <a16:creationId xmlns:a16="http://schemas.microsoft.com/office/drawing/2014/main" id="{475CC725-423C-2FD5-FBD9-24AE8EC91658}"/>
+            </a:ext>
+          </a:extLst>
+        </p:cNvPr>
+        <p:cNvGrpSpPr/>
+        <p:nvPr/>
+      </p:nvGrpSpPr>
+      <p:grpSpPr>
+        <a:xfrm>
+          <a:off x="0" y="0"/>
+          <a:ext cx="0" cy="0"/>
+          <a:chOff x="0" y="0"/>
+          <a:chExt cx="0" cy="0"/>
+        </a:xfrm>
+      </p:grpSpPr>
+      <p:pic>
+        <p:nvPicPr>
+          <p:cNvPr id="8" name="Picture 7">
+            <a:extLst>
+              <a:ext uri="{FF2B5EF4-FFF2-40B4-BE49-F238E27FC236}">
+                <a16:creationId xmlns:a16="http://schemas.microsoft.com/office/drawing/2014/main" id="{B15A42C7-A1FF-D491-535F-92331490CCDA}"/>
+              </a:ext>
+            </a:extLst>
+          </p:cNvPr>
+          <p:cNvPicPr>
+            <a:picLocks noChangeAspect="1"/>
+          </p:cNvPicPr>
+          <p:nvPr/>
+        </p:nvPicPr>
+        <p:blipFill>
+          <a:blip r:embed="rId2"/>
+          <a:stretch>
+            <a:fillRect/>
+          </a:stretch>
+        </p:blipFill>
+        <p:spPr>
+          <a:xfrm>
+            <a:off x="3450258" y="164123"/>
+            <a:ext cx="19368196" cy="12796431"/>
+          </a:xfrm>
+          <a:prstGeom prst="rect">
+            <a:avLst/>
+          </a:prstGeom>
+          <a:solidFill>
+            <a:srgbClr val="FFCC00"/>
+          </a:solidFill>
+          <a:ln w="12700">
+            <a:solidFill>
+              <a:srgbClr val="FFCC00"/>
+            </a:solidFill>
+          </a:ln>
+        </p:spPr>
+      </p:pic>
+      <p:pic>
+        <p:nvPicPr>
+          <p:cNvPr id="10" name="Picture 9">
+            <a:extLst>
+              <a:ext uri="{FF2B5EF4-FFF2-40B4-BE49-F238E27FC236}">
+                <a16:creationId xmlns:a16="http://schemas.microsoft.com/office/drawing/2014/main" id="{8A91ED2A-8921-C948-FF8C-3B8852758922}"/>
+              </a:ext>
+            </a:extLst>
+          </p:cNvPr>
+          <p:cNvPicPr>
+            <a:picLocks noChangeAspect="1"/>
+          </p:cNvPicPr>
+          <p:nvPr/>
+        </p:nvPicPr>
+        <p:blipFill>
+          <a:blip r:embed="rId3"/>
+          <a:stretch>
+            <a:fillRect/>
+          </a:stretch>
+        </p:blipFill>
+        <p:spPr>
+          <a:xfrm>
+            <a:off x="3450258" y="-1649307"/>
+            <a:ext cx="12891711" cy="1708540"/>
+          </a:xfrm>
+          <a:prstGeom prst="rect">
+            <a:avLst/>
+          </a:prstGeom>
+          <a:ln>
+            <a:solidFill>
+              <a:srgbClr val="FFCC00"/>
+            </a:solidFill>
+          </a:ln>
+        </p:spPr>
+      </p:pic>
+      <p:pic>
+        <p:nvPicPr>
+          <p:cNvPr id="12" name="Picture 11">
+            <a:extLst>
+              <a:ext uri="{FF2B5EF4-FFF2-40B4-BE49-F238E27FC236}">
+                <a16:creationId xmlns:a16="http://schemas.microsoft.com/office/drawing/2014/main" id="{45BCDCD9-3449-DE4C-DB28-DA84F8B96C65}"/>
+              </a:ext>
+            </a:extLst>
+          </p:cNvPr>
+          <p:cNvPicPr>
+            <a:picLocks noChangeAspect="1"/>
+          </p:cNvPicPr>
+          <p:nvPr/>
+        </p:nvPicPr>
+        <p:blipFill>
+          <a:blip r:embed="rId4"/>
+          <a:stretch>
+            <a:fillRect/>
+          </a:stretch>
+        </p:blipFill>
+        <p:spPr>
+          <a:xfrm>
+            <a:off x="18217662" y="-1647513"/>
+            <a:ext cx="4600792" cy="1706746"/>
+          </a:xfrm>
+          <a:prstGeom prst="rect">
+            <a:avLst/>
+          </a:prstGeom>
+          <a:ln>
+            <a:solidFill>
+              <a:srgbClr val="FFCC00"/>
+            </a:solidFill>
+          </a:ln>
+        </p:spPr>
+      </p:pic>
+    </p:spTree>
+    <p:extLst>
+      <p:ext uri="{BB962C8B-B14F-4D97-AF65-F5344CB8AC3E}">
+        <p14:creationId xmlns:p14="http://schemas.microsoft.com/office/powerpoint/2010/main" val="1389876942"/>
+      </p:ext>
+    </p:extLst>
+  </p:cSld>
+  <p:clrMapOvr>
+    <a:masterClrMapping/>
+  </p:clrMapOvr>
+  <mc:AlternateContent xmlns:mc="http://schemas.openxmlformats.org/markup-compatibility/2006">
+    <mc:Choice xmlns:p159="http://schemas.microsoft.com/office/powerpoint/2015/09/main" Requires="p159">
+      <p:transition xmlns:p14="http://schemas.microsoft.com/office/powerpoint/2010/main" spd="slow" p14:dur="2000">
+        <p159:morph option="byObject"/>
+      </p:transition>
+    </mc:Choice>
+    <mc:Fallback>
+      <p:transition spd="slow">
+        <p:fade/>
+      </p:transition>
+    </mc:Fallback>
+  </mc:AlternateContent>
+</p:sld>
+</file>
+
+<file path=ppt/slides/slide12.xml><?xml version="1.0" encoding="utf-8"?>
+<p:sld xmlns:a="http://schemas.openxmlformats.org/drawingml/2006/main" xmlns:r="http://schemas.openxmlformats.org/officeDocument/2006/relationships" xmlns:p="http://schemas.openxmlformats.org/presentationml/2006/main">
+  <p:cSld>
+    <p:spTree>
+      <p:nvGrpSpPr>
+        <p:cNvPr id="1" name="">
+          <a:extLst>
+            <a:ext uri="{FF2B5EF4-FFF2-40B4-BE49-F238E27FC236}">
+              <a16:creationId xmlns:a16="http://schemas.microsoft.com/office/drawing/2014/main" id="{846C2A43-114E-DBBB-0E2D-69E68EFD5BB8}"/>
+            </a:ext>
+          </a:extLst>
+        </p:cNvPr>
+        <p:cNvGrpSpPr/>
+        <p:nvPr/>
+      </p:nvGrpSpPr>
+      <p:grpSpPr>
+        <a:xfrm>
+          <a:off x="0" y="0"/>
+          <a:ext cx="0" cy="0"/>
+          <a:chOff x="0" y="0"/>
+          <a:chExt cx="0" cy="0"/>
+        </a:xfrm>
+      </p:grpSpPr>
+      <p:pic>
+        <p:nvPicPr>
+          <p:cNvPr id="6" name="Picture 7">
+            <a:extLst>
+              <a:ext uri="{FF2B5EF4-FFF2-40B4-BE49-F238E27FC236}">
+                <a16:creationId xmlns:a16="http://schemas.microsoft.com/office/drawing/2014/main" id="{316F19CB-3BA9-B59B-62FC-0A74828BFC35}"/>
+              </a:ext>
+            </a:extLst>
+          </p:cNvPr>
+          <p:cNvPicPr>
+            <a:picLocks noChangeAspect="1"/>
+          </p:cNvPicPr>
+          <p:nvPr/>
+        </p:nvPicPr>
+        <p:blipFill>
+          <a:blip r:embed="rId2"/>
+          <a:stretch>
+            <a:fillRect/>
+          </a:stretch>
+        </p:blipFill>
+        <p:spPr>
+          <a:xfrm>
+            <a:off x="3574145" y="-6032531"/>
+            <a:ext cx="19102518" cy="12620899"/>
+          </a:xfrm>
+          <a:prstGeom prst="rect">
+            <a:avLst/>
+          </a:prstGeom>
+          <a:solidFill>
+            <a:srgbClr val="FFCC00"/>
+          </a:solidFill>
+          <a:ln w="12700">
+            <a:solidFill>
+              <a:srgbClr val="FFCC00"/>
+            </a:solidFill>
+          </a:ln>
+        </p:spPr>
+      </p:pic>
+      <p:pic>
+        <p:nvPicPr>
+          <p:cNvPr id="10" name="Picture 9">
+            <a:extLst>
+              <a:ext uri="{FF2B5EF4-FFF2-40B4-BE49-F238E27FC236}">
+                <a16:creationId xmlns:a16="http://schemas.microsoft.com/office/drawing/2014/main" id="{997251A5-EC65-8C75-16BC-861C98B32EC7}"/>
+              </a:ext>
+            </a:extLst>
+          </p:cNvPr>
+          <p:cNvPicPr>
+            <a:picLocks noChangeAspect="1"/>
+          </p:cNvPicPr>
+          <p:nvPr/>
+        </p:nvPicPr>
+        <p:blipFill>
+          <a:blip r:embed="rId3"/>
+          <a:stretch>
+            <a:fillRect/>
+          </a:stretch>
+        </p:blipFill>
+        <p:spPr>
+          <a:xfrm>
+            <a:off x="3574145" y="-7726857"/>
+            <a:ext cx="12784462" cy="1694326"/>
+          </a:xfrm>
+          <a:prstGeom prst="rect">
+            <a:avLst/>
+          </a:prstGeom>
+          <a:ln>
+            <a:solidFill>
+              <a:srgbClr val="FFCC00"/>
+            </a:solidFill>
+          </a:ln>
+        </p:spPr>
+      </p:pic>
+      <p:pic>
+        <p:nvPicPr>
+          <p:cNvPr id="12" name="Picture 11">
+            <a:extLst>
+              <a:ext uri="{FF2B5EF4-FFF2-40B4-BE49-F238E27FC236}">
+                <a16:creationId xmlns:a16="http://schemas.microsoft.com/office/drawing/2014/main" id="{5EFD2C99-2F6D-3882-B194-CD2795F4851D}"/>
+              </a:ext>
+            </a:extLst>
+          </p:cNvPr>
+          <p:cNvPicPr>
+            <a:picLocks noChangeAspect="1"/>
+          </p:cNvPicPr>
+          <p:nvPr/>
+        </p:nvPicPr>
+        <p:blipFill>
+          <a:blip r:embed="rId4"/>
+          <a:stretch>
+            <a:fillRect/>
+          </a:stretch>
+        </p:blipFill>
+        <p:spPr>
+          <a:xfrm>
+            <a:off x="18109350" y="-7726857"/>
+            <a:ext cx="4567313" cy="1694326"/>
+          </a:xfrm>
+          <a:prstGeom prst="rect">
+            <a:avLst/>
+          </a:prstGeom>
+          <a:ln>
+            <a:solidFill>
+              <a:srgbClr val="FFCC00"/>
+            </a:solidFill>
+          </a:ln>
+        </p:spPr>
+      </p:pic>
+    </p:spTree>
+    <p:extLst>
+      <p:ext uri="{BB962C8B-B14F-4D97-AF65-F5344CB8AC3E}">
+        <p14:creationId xmlns:p14="http://schemas.microsoft.com/office/powerpoint/2010/main" val="3715417802"/>
+      </p:ext>
+    </p:extLst>
+  </p:cSld>
+  <p:clrMapOvr>
+    <a:masterClrMapping/>
+  </p:clrMapOvr>
+  <mc:AlternateContent xmlns:mc="http://schemas.openxmlformats.org/markup-compatibility/2006">
+    <mc:Choice xmlns:p159="http://schemas.microsoft.com/office/powerpoint/2015/09/main" Requires="p159">
+      <p:transition xmlns:p14="http://schemas.microsoft.com/office/powerpoint/2010/main" spd="slow" p14:dur="2000">
+        <p159:morph option="byObject"/>
+      </p:transition>
+    </mc:Choice>
+    <mc:Fallback>
+      <p:transition spd="slow">
+        <p:fade/>
+      </p:transition>
+    </mc:Fallback>
+  </mc:AlternateContent>
+</p:sld>
+</file>
+
+<file path=ppt/slides/slide13.xml><?xml version="1.0" encoding="utf-8"?>
+<p:sld xmlns:a="http://schemas.openxmlformats.org/drawingml/2006/main" xmlns:r="http://schemas.openxmlformats.org/officeDocument/2006/relationships" xmlns:p="http://schemas.openxmlformats.org/presentationml/2006/main">
+  <p:cSld>
+    <p:spTree>
+      <p:nvGrpSpPr>
+        <p:cNvPr id="1" name="">
+          <a:extLst>
+            <a:ext uri="{FF2B5EF4-FFF2-40B4-BE49-F238E27FC236}">
+              <a16:creationId xmlns:a16="http://schemas.microsoft.com/office/drawing/2014/main" id="{0B5A5BFF-472B-17B9-2C00-EFFBFCD23B30}"/>
+            </a:ext>
+          </a:extLst>
+        </p:cNvPr>
+        <p:cNvGrpSpPr/>
+        <p:nvPr/>
+      </p:nvGrpSpPr>
+      <p:grpSpPr>
+        <a:xfrm>
+          <a:off x="0" y="0"/>
+          <a:ext cx="0" cy="0"/>
+          <a:chOff x="0" y="0"/>
+          <a:chExt cx="0" cy="0"/>
+        </a:xfrm>
+      </p:grpSpPr>
+      <p:pic>
+        <p:nvPicPr>
+          <p:cNvPr id="8" name="Picture 7">
+            <a:extLst>
+              <a:ext uri="{FF2B5EF4-FFF2-40B4-BE49-F238E27FC236}">
+                <a16:creationId xmlns:a16="http://schemas.microsoft.com/office/drawing/2014/main" id="{EBA7C7B0-54FA-3CA4-7669-C6EDB3C8F6A5}"/>
+              </a:ext>
+            </a:extLst>
+          </p:cNvPr>
+          <p:cNvPicPr>
+            <a:picLocks noChangeAspect="1"/>
+          </p:cNvPicPr>
+          <p:nvPr/>
+        </p:nvPicPr>
+        <p:blipFill>
+          <a:blip r:embed="rId2"/>
+          <a:stretch>
+            <a:fillRect/>
+          </a:stretch>
+        </p:blipFill>
+        <p:spPr>
+          <a:xfrm>
+            <a:off x="-3352800" y="1768077"/>
+            <a:ext cx="15407832" cy="10179845"/>
+          </a:xfrm>
+          <a:prstGeom prst="rect">
+            <a:avLst/>
+          </a:prstGeom>
+          <a:solidFill>
+            <a:srgbClr val="FFCC00"/>
+          </a:solidFill>
+          <a:ln w="12700">
+            <a:solidFill>
+              <a:srgbClr val="FFCC00"/>
+            </a:solidFill>
+          </a:ln>
+        </p:spPr>
+      </p:pic>
+      <p:pic>
+        <p:nvPicPr>
+          <p:cNvPr id="2" name="Picture 9">
+            <a:extLst>
+              <a:ext uri="{FF2B5EF4-FFF2-40B4-BE49-F238E27FC236}">
+                <a16:creationId xmlns:a16="http://schemas.microsoft.com/office/drawing/2014/main" id="{9C06F824-1C5A-D367-18C9-177667039851}"/>
+              </a:ext>
+            </a:extLst>
+          </p:cNvPr>
+          <p:cNvPicPr>
+            <a:picLocks noChangeAspect="1"/>
+          </p:cNvPicPr>
+          <p:nvPr/>
+        </p:nvPicPr>
+        <p:blipFill>
+          <a:blip r:embed="rId3"/>
+          <a:stretch>
+            <a:fillRect/>
+          </a:stretch>
+        </p:blipFill>
+        <p:spPr>
+          <a:xfrm>
+            <a:off x="-3472681" y="382948"/>
+            <a:ext cx="10451430" cy="1385129"/>
+          </a:xfrm>
+          <a:prstGeom prst="rect">
+            <a:avLst/>
+          </a:prstGeom>
+          <a:ln>
+            <a:solidFill>
+              <a:srgbClr val="FFCC00"/>
+            </a:solidFill>
+          </a:ln>
+        </p:spPr>
+      </p:pic>
+      <p:pic>
+        <p:nvPicPr>
+          <p:cNvPr id="3" name="Picture 11">
+            <a:extLst>
+              <a:ext uri="{FF2B5EF4-FFF2-40B4-BE49-F238E27FC236}">
+                <a16:creationId xmlns:a16="http://schemas.microsoft.com/office/drawing/2014/main" id="{8158E89F-BFE2-EF3E-6957-5DAE526A17D3}"/>
+              </a:ext>
+            </a:extLst>
+          </p:cNvPr>
+          <p:cNvPicPr>
+            <a:picLocks noChangeAspect="1"/>
+          </p:cNvPicPr>
+          <p:nvPr/>
+        </p:nvPicPr>
+        <p:blipFill>
+          <a:blip r:embed="rId4"/>
+          <a:stretch>
+            <a:fillRect/>
+          </a:stretch>
+        </p:blipFill>
+        <p:spPr>
+          <a:xfrm>
+            <a:off x="8321206" y="382948"/>
+            <a:ext cx="3733826" cy="1385129"/>
+          </a:xfrm>
+          <a:prstGeom prst="rect">
+            <a:avLst/>
+          </a:prstGeom>
+          <a:ln>
+            <a:solidFill>
+              <a:srgbClr val="FFCC00"/>
+            </a:solidFill>
+          </a:ln>
+        </p:spPr>
+      </p:pic>
+    </p:spTree>
+    <p:extLst>
+      <p:ext uri="{BB962C8B-B14F-4D97-AF65-F5344CB8AC3E}">
+        <p14:creationId xmlns:p14="http://schemas.microsoft.com/office/powerpoint/2010/main" val="2631654670"/>
+      </p:ext>
+    </p:extLst>
+  </p:cSld>
+  <p:clrMapOvr>
+    <a:masterClrMapping/>
+  </p:clrMapOvr>
+  <mc:AlternateContent xmlns:mc="http://schemas.openxmlformats.org/markup-compatibility/2006">
+    <mc:Choice xmlns:p159="http://schemas.microsoft.com/office/powerpoint/2015/09/main" Requires="p159">
+      <p:transition xmlns:p14="http://schemas.microsoft.com/office/powerpoint/2010/main" spd="slow" p14:dur="2000">
+        <p159:morph option="byObject"/>
+      </p:transition>
+    </mc:Choice>
+    <mc:Fallback>
+      <p:transition spd="slow">
+        <p:fade/>
+      </p:transition>
+    </mc:Fallback>
+  </mc:AlternateContent>
+</p:sld>
+</file>
+
+<file path=ppt/slides/slide14.xml><?xml version="1.0" encoding="utf-8"?>
+<p:sld xmlns:a="http://schemas.openxmlformats.org/drawingml/2006/main" xmlns:r="http://schemas.openxmlformats.org/officeDocument/2006/relationships" xmlns:p="http://schemas.openxmlformats.org/presentationml/2006/main">
+  <p:cSld>
+    <p:spTree>
+      <p:nvGrpSpPr>
+        <p:cNvPr id="1" name="">
+          <a:extLst>
+            <a:ext uri="{FF2B5EF4-FFF2-40B4-BE49-F238E27FC236}">
+              <a16:creationId xmlns:a16="http://schemas.microsoft.com/office/drawing/2014/main" id="{A8CE8995-DBEC-7F29-43F4-E4D23BFC23B3}"/>
+            </a:ext>
+          </a:extLst>
+        </p:cNvPr>
+        <p:cNvGrpSpPr/>
+        <p:nvPr/>
+      </p:nvGrpSpPr>
+      <p:grpSpPr>
+        <a:xfrm>
+          <a:off x="0" y="0"/>
+          <a:ext cx="0" cy="0"/>
+          <a:chOff x="0" y="0"/>
+          <a:chExt cx="0" cy="0"/>
+        </a:xfrm>
+      </p:grpSpPr>
+      <p:pic>
+        <p:nvPicPr>
+          <p:cNvPr id="8" name="Picture 7">
+            <a:extLst>
+              <a:ext uri="{FF2B5EF4-FFF2-40B4-BE49-F238E27FC236}">
+                <a16:creationId xmlns:a16="http://schemas.microsoft.com/office/drawing/2014/main" id="{8973E94E-3759-8543-5C9E-3112FBB25112}"/>
+              </a:ext>
+            </a:extLst>
+          </p:cNvPr>
+          <p:cNvPicPr>
+            <a:picLocks noChangeAspect="1"/>
+          </p:cNvPicPr>
+          <p:nvPr/>
+        </p:nvPicPr>
+        <p:blipFill>
+          <a:blip r:embed="rId2"/>
+          <a:stretch>
+            <a:fillRect/>
+          </a:stretch>
+        </p:blipFill>
+        <p:spPr>
+          <a:xfrm>
+            <a:off x="-3183122" y="-413431"/>
+            <a:ext cx="15210998" cy="10049800"/>
+          </a:xfrm>
+          <a:prstGeom prst="rect">
+            <a:avLst/>
+          </a:prstGeom>
+          <a:solidFill>
+            <a:srgbClr val="FFCC00"/>
+          </a:solidFill>
+          <a:ln w="12700">
+            <a:solidFill>
+              <a:srgbClr val="FFCC00"/>
+            </a:solidFill>
+          </a:ln>
+        </p:spPr>
+      </p:pic>
+      <p:pic>
+        <p:nvPicPr>
+          <p:cNvPr id="10" name="Picture 9">
+            <a:extLst>
+              <a:ext uri="{FF2B5EF4-FFF2-40B4-BE49-F238E27FC236}">
+                <a16:creationId xmlns:a16="http://schemas.microsoft.com/office/drawing/2014/main" id="{F9582CC6-847B-49E1-EB51-C006F61F9B12}"/>
+              </a:ext>
+            </a:extLst>
+          </p:cNvPr>
+          <p:cNvPicPr>
+            <a:picLocks noChangeAspect="1"/>
+          </p:cNvPicPr>
+          <p:nvPr/>
+        </p:nvPicPr>
+        <p:blipFill>
+          <a:blip r:embed="rId3"/>
+          <a:stretch>
+            <a:fillRect/>
+          </a:stretch>
+        </p:blipFill>
+        <p:spPr>
+          <a:xfrm>
+            <a:off x="-3183121" y="-1798560"/>
+            <a:ext cx="10451430" cy="1385129"/>
+          </a:xfrm>
+          <a:prstGeom prst="rect">
+            <a:avLst/>
+          </a:prstGeom>
+          <a:ln>
+            <a:solidFill>
+              <a:srgbClr val="FFCC00"/>
+            </a:solidFill>
+          </a:ln>
+        </p:spPr>
+      </p:pic>
+      <p:pic>
+        <p:nvPicPr>
+          <p:cNvPr id="12" name="Picture 11">
+            <a:extLst>
+              <a:ext uri="{FF2B5EF4-FFF2-40B4-BE49-F238E27FC236}">
+                <a16:creationId xmlns:a16="http://schemas.microsoft.com/office/drawing/2014/main" id="{16C9C50C-6B2E-F3D0-867B-3D2B29C00662}"/>
+              </a:ext>
+            </a:extLst>
+          </p:cNvPr>
+          <p:cNvPicPr>
+            <a:picLocks noChangeAspect="1"/>
+          </p:cNvPicPr>
+          <p:nvPr/>
+        </p:nvPicPr>
+        <p:blipFill>
+          <a:blip r:embed="rId4"/>
+          <a:stretch>
+            <a:fillRect/>
+          </a:stretch>
+        </p:blipFill>
+        <p:spPr>
+          <a:xfrm>
+            <a:off x="8294050" y="-1798560"/>
+            <a:ext cx="3733826" cy="1385129"/>
+          </a:xfrm>
+          <a:prstGeom prst="rect">
+            <a:avLst/>
+          </a:prstGeom>
+          <a:ln>
+            <a:solidFill>
+              <a:srgbClr val="FFCC00"/>
+            </a:solidFill>
+          </a:ln>
+        </p:spPr>
+      </p:pic>
+    </p:spTree>
+    <p:extLst>
+      <p:ext uri="{BB962C8B-B14F-4D97-AF65-F5344CB8AC3E}">
+        <p14:creationId xmlns:p14="http://schemas.microsoft.com/office/powerpoint/2010/main" val="2264173967"/>
+      </p:ext>
+    </p:extLst>
+  </p:cSld>
+  <p:clrMapOvr>
+    <a:masterClrMapping/>
+  </p:clrMapOvr>
+  <mc:AlternateContent xmlns:mc="http://schemas.openxmlformats.org/markup-compatibility/2006" xmlns:p159="http://schemas.microsoft.com/office/powerpoint/2015/09/main">
+    <mc:Choice Requires="p159">
+      <p:transition xmlns:p14="http://schemas.microsoft.com/office/powerpoint/2010/main" spd="slow" p14:dur="2000">
+        <p159:morph option="byObject"/>
+      </p:transition>
+    </mc:Choice>
+    <mc:Fallback xmlns="">
+      <p:transition spd="slow">
+        <p:fade/>
+      </p:transition>
+    </mc:Fallback>
+  </mc:AlternateContent>
+</p:sld>
+</file>
+
+<file path=ppt/slides/slide15.xml><?xml version="1.0" encoding="utf-8"?>
+<p:sld xmlns:a="http://schemas.openxmlformats.org/drawingml/2006/main" xmlns:r="http://schemas.openxmlformats.org/officeDocument/2006/relationships" xmlns:p="http://schemas.openxmlformats.org/presentationml/2006/main">
+  <p:cSld>
+    <p:spTree>
+      <p:nvGrpSpPr>
+        <p:cNvPr id="1" name="">
+          <a:extLst>
+            <a:ext uri="{FF2B5EF4-FFF2-40B4-BE49-F238E27FC236}">
+              <a16:creationId xmlns:a16="http://schemas.microsoft.com/office/drawing/2014/main" id="{BF724065-5F56-6DB6-AA27-B671A30AADBA}"/>
+            </a:ext>
+          </a:extLst>
+        </p:cNvPr>
+        <p:cNvGrpSpPr/>
+        <p:nvPr/>
+      </p:nvGrpSpPr>
+      <p:grpSpPr>
+        <a:xfrm>
+          <a:off x="0" y="0"/>
+          <a:ext cx="0" cy="0"/>
+          <a:chOff x="0" y="0"/>
+          <a:chExt cx="0" cy="0"/>
+        </a:xfrm>
+      </p:grpSpPr>
+      <p:pic>
+        <p:nvPicPr>
+          <p:cNvPr id="8" name="Picture 7">
+            <a:extLst>
+              <a:ext uri="{FF2B5EF4-FFF2-40B4-BE49-F238E27FC236}">
+                <a16:creationId xmlns:a16="http://schemas.microsoft.com/office/drawing/2014/main" id="{C93D7CFE-BEE7-5C72-4A72-110405498306}"/>
+              </a:ext>
+            </a:extLst>
+          </p:cNvPr>
+          <p:cNvPicPr>
+            <a:picLocks noChangeAspect="1"/>
+          </p:cNvPicPr>
+          <p:nvPr/>
+        </p:nvPicPr>
+        <p:blipFill>
+          <a:blip r:embed="rId2"/>
+          <a:stretch>
+            <a:fillRect/>
+          </a:stretch>
+        </p:blipFill>
+        <p:spPr>
+          <a:xfrm>
+            <a:off x="-3317734" y="-3686746"/>
+            <a:ext cx="15243109" cy="10071014"/>
+          </a:xfrm>
+          <a:prstGeom prst="rect">
+            <a:avLst/>
+          </a:prstGeom>
+          <a:solidFill>
+            <a:srgbClr val="FFCC00"/>
+          </a:solidFill>
+          <a:ln w="12700">
+            <a:solidFill>
+              <a:srgbClr val="FFCC00"/>
+            </a:solidFill>
+          </a:ln>
+        </p:spPr>
+      </p:pic>
+      <p:pic>
+        <p:nvPicPr>
+          <p:cNvPr id="10" name="Picture 9">
+            <a:extLst>
+              <a:ext uri="{FF2B5EF4-FFF2-40B4-BE49-F238E27FC236}">
+                <a16:creationId xmlns:a16="http://schemas.microsoft.com/office/drawing/2014/main" id="{3D57CB32-C928-FEF6-1011-22B5BAE19ABE}"/>
+              </a:ext>
+            </a:extLst>
+          </p:cNvPr>
+          <p:cNvPicPr>
+            <a:picLocks noChangeAspect="1"/>
+          </p:cNvPicPr>
+          <p:nvPr/>
+        </p:nvPicPr>
+        <p:blipFill>
+          <a:blip r:embed="rId3"/>
+          <a:stretch>
+            <a:fillRect/>
+          </a:stretch>
+        </p:blipFill>
+        <p:spPr>
+          <a:xfrm>
+            <a:off x="-3317734" y="-5052809"/>
+            <a:ext cx="10307564" cy="1366063"/>
+          </a:xfrm>
+          <a:prstGeom prst="rect">
+            <a:avLst/>
+          </a:prstGeom>
+          <a:ln>
+            <a:solidFill>
+              <a:srgbClr val="FFCC00"/>
+            </a:solidFill>
+          </a:ln>
+        </p:spPr>
+      </p:pic>
+      <p:pic>
+        <p:nvPicPr>
+          <p:cNvPr id="12" name="Picture 11">
+            <a:extLst>
+              <a:ext uri="{FF2B5EF4-FFF2-40B4-BE49-F238E27FC236}">
+                <a16:creationId xmlns:a16="http://schemas.microsoft.com/office/drawing/2014/main" id="{A079B01D-D1FD-A4A9-B96D-B258B731D3C5}"/>
+              </a:ext>
+            </a:extLst>
+          </p:cNvPr>
+          <p:cNvPicPr>
+            <a:picLocks noChangeAspect="1"/>
+          </p:cNvPicPr>
+          <p:nvPr/>
+        </p:nvPicPr>
+        <p:blipFill>
+          <a:blip r:embed="rId4"/>
+          <a:stretch>
+            <a:fillRect/>
+          </a:stretch>
+        </p:blipFill>
+        <p:spPr>
+          <a:xfrm>
+            <a:off x="8242947" y="-5052809"/>
+            <a:ext cx="3682428" cy="1366062"/>
+          </a:xfrm>
+          <a:prstGeom prst="rect">
+            <a:avLst/>
+          </a:prstGeom>
+          <a:ln>
+            <a:solidFill>
+              <a:srgbClr val="FFCC00"/>
+            </a:solidFill>
+          </a:ln>
+        </p:spPr>
+      </p:pic>
+    </p:spTree>
+    <p:extLst>
+      <p:ext uri="{BB962C8B-B14F-4D97-AF65-F5344CB8AC3E}">
+        <p14:creationId xmlns:p14="http://schemas.microsoft.com/office/powerpoint/2010/main" val="2180735788"/>
+      </p:ext>
+    </p:extLst>
+  </p:cSld>
+  <p:clrMapOvr>
+    <a:masterClrMapping/>
+  </p:clrMapOvr>
+  <mc:AlternateContent xmlns:mc="http://schemas.openxmlformats.org/markup-compatibility/2006" xmlns:p159="http://schemas.microsoft.com/office/powerpoint/2015/09/main">
+    <mc:Choice Requires="p159">
+      <p:transition xmlns:p14="http://schemas.microsoft.com/office/powerpoint/2010/main" spd="slow" p14:dur="2000">
+        <p159:morph option="byObject"/>
+      </p:transition>
+    </mc:Choice>
+    <mc:Fallback xmlns="">
+      <p:transition spd="slow">
+        <p:fade/>
+      </p:transition>
+    </mc:Fallback>
+  </mc:AlternateContent>
+</p:sld>
+</file>
+
+<file path=ppt/slides/slide16.xml><?xml version="1.0" encoding="utf-8"?>
+<p:sld xmlns:a="http://schemas.openxmlformats.org/drawingml/2006/main" xmlns:r="http://schemas.openxmlformats.org/officeDocument/2006/relationships" xmlns:p="http://schemas.openxmlformats.org/presentationml/2006/main">
+  <p:cSld>
+    <p:spTree>
+      <p:nvGrpSpPr>
+        <p:cNvPr id="1" name="">
+          <a:extLst>
+            <a:ext uri="{FF2B5EF4-FFF2-40B4-BE49-F238E27FC236}">
+              <a16:creationId xmlns:a16="http://schemas.microsoft.com/office/drawing/2014/main" id="{04F2F988-FE6C-A607-90A8-12B8ABDFE15F}"/>
+            </a:ext>
+          </a:extLst>
+        </p:cNvPr>
+        <p:cNvGrpSpPr/>
+        <p:nvPr/>
+      </p:nvGrpSpPr>
+      <p:grpSpPr>
+        <a:xfrm>
+          <a:off x="0" y="0"/>
+          <a:ext cx="0" cy="0"/>
+          <a:chOff x="0" y="0"/>
+          <a:chExt cx="0" cy="0"/>
+        </a:xfrm>
+      </p:grpSpPr>
+      <p:pic>
+        <p:nvPicPr>
+          <p:cNvPr id="8" name="Picture 7">
+            <a:extLst>
+              <a:ext uri="{FF2B5EF4-FFF2-40B4-BE49-F238E27FC236}">
+                <a16:creationId xmlns:a16="http://schemas.microsoft.com/office/drawing/2014/main" id="{455A0DB8-CC61-BEAA-B871-73970530BF73}"/>
+              </a:ext>
+            </a:extLst>
+          </p:cNvPr>
+          <p:cNvPicPr>
+            <a:picLocks noChangeAspect="1"/>
+          </p:cNvPicPr>
+          <p:nvPr/>
+        </p:nvPicPr>
+        <p:blipFill>
+          <a:blip r:embed="rId2"/>
+          <a:stretch>
+            <a:fillRect/>
+          </a:stretch>
+        </p:blipFill>
+        <p:spPr>
+          <a:xfrm>
+            <a:off x="1949706" y="1092986"/>
+            <a:ext cx="8292587" cy="5478854"/>
+          </a:xfrm>
+          <a:prstGeom prst="rect">
+            <a:avLst/>
+          </a:prstGeom>
+          <a:solidFill>
+            <a:srgbClr val="FFCC00"/>
+          </a:solidFill>
+          <a:ln w="12700">
+            <a:solidFill>
+              <a:srgbClr val="FFCC00"/>
+            </a:solidFill>
+          </a:ln>
+        </p:spPr>
+      </p:pic>
+      <p:pic>
+        <p:nvPicPr>
+          <p:cNvPr id="10" name="Picture 9">
+            <a:extLst>
+              <a:ext uri="{FF2B5EF4-FFF2-40B4-BE49-F238E27FC236}">
+                <a16:creationId xmlns:a16="http://schemas.microsoft.com/office/drawing/2014/main" id="{49EEDD71-63F1-A83F-3127-283F6755D9FA}"/>
+              </a:ext>
+            </a:extLst>
+          </p:cNvPr>
+          <p:cNvPicPr>
+            <a:picLocks noChangeAspect="1"/>
+          </p:cNvPicPr>
+          <p:nvPr/>
+        </p:nvPicPr>
+        <p:blipFill>
+          <a:blip r:embed="rId3"/>
+          <a:stretch>
+            <a:fillRect/>
+          </a:stretch>
+        </p:blipFill>
+        <p:spPr>
+          <a:xfrm>
+            <a:off x="1949706" y="286160"/>
+            <a:ext cx="5607541" cy="743168"/>
+          </a:xfrm>
+          <a:prstGeom prst="rect">
+            <a:avLst/>
+          </a:prstGeom>
+          <a:ln>
+            <a:solidFill>
+              <a:srgbClr val="FFCC00"/>
+            </a:solidFill>
+          </a:ln>
+        </p:spPr>
+      </p:pic>
+      <p:pic>
+        <p:nvPicPr>
+          <p:cNvPr id="12" name="Picture 11">
+            <a:extLst>
+              <a:ext uri="{FF2B5EF4-FFF2-40B4-BE49-F238E27FC236}">
+                <a16:creationId xmlns:a16="http://schemas.microsoft.com/office/drawing/2014/main" id="{AE99302C-39C6-8A3E-BBF6-1344419CF06C}"/>
+              </a:ext>
+            </a:extLst>
+          </p:cNvPr>
+          <p:cNvPicPr>
+            <a:picLocks noChangeAspect="1"/>
+          </p:cNvPicPr>
+          <p:nvPr/>
+        </p:nvPicPr>
+        <p:blipFill>
+          <a:blip r:embed="rId4"/>
+          <a:stretch>
+            <a:fillRect/>
+          </a:stretch>
+        </p:blipFill>
+        <p:spPr>
+          <a:xfrm>
+            <a:off x="8238971" y="286160"/>
+            <a:ext cx="2003322" cy="743168"/>
+          </a:xfrm>
+          <a:prstGeom prst="rect">
+            <a:avLst/>
+          </a:prstGeom>
+          <a:ln>
+            <a:solidFill>
+              <a:srgbClr val="FFCC00"/>
+            </a:solidFill>
+          </a:ln>
+        </p:spPr>
+      </p:pic>
+    </p:spTree>
+    <p:extLst>
+      <p:ext uri="{BB962C8B-B14F-4D97-AF65-F5344CB8AC3E}">
+        <p14:creationId xmlns:p14="http://schemas.microsoft.com/office/powerpoint/2010/main" val="196164225"/>
+      </p:ext>
+    </p:extLst>
+  </p:cSld>
+  <p:clrMapOvr>
+    <a:masterClrMapping/>
+  </p:clrMapOvr>
+  <mc:AlternateContent xmlns:mc="http://schemas.openxmlformats.org/markup-compatibility/2006" xmlns:p159="http://schemas.microsoft.com/office/powerpoint/2015/09/main">
+    <mc:Choice Requires="p159">
+      <p:transition xmlns:p14="http://schemas.microsoft.com/office/powerpoint/2010/main" spd="slow" p14:dur="2000">
+        <p159:morph option="byObject"/>
+      </p:transition>
+    </mc:Choice>
+    <mc:Fallback xmlns="">
+      <p:transition spd="slow">
+        <p:fade/>
+      </p:transition>
+    </mc:Fallback>
+  </mc:AlternateContent>
+</p:sld>
+</file>
+
+<file path=ppt/slides/slide17.xml><?xml version="1.0" encoding="utf-8"?>
 <p:sld xmlns:a="http://schemas.openxmlformats.org/drawingml/2006/main" xmlns:r="http://schemas.openxmlformats.org/officeDocument/2006/relationships" xmlns:p="http://schemas.openxmlformats.org/presentationml/2006/main">
   <p:cSld>
     <p:spTree>
@@ -7015,7 +8075,7 @@
 </p:sld>
 </file>
 
-<file path=ppt/slides/slide7.xml><?xml version="1.0" encoding="utf-8"?>
+<file path=ppt/slides/slide18.xml><?xml version="1.0" encoding="utf-8"?>
 <p:sld xmlns:a="http://schemas.openxmlformats.org/drawingml/2006/main" xmlns:r="http://schemas.openxmlformats.org/officeDocument/2006/relationships" xmlns:p="http://schemas.openxmlformats.org/presentationml/2006/main">
   <p:cSld>
     <p:spTree>
@@ -7250,6 +8310,777 @@
     <p:extLst>
       <p:ext uri="{BB962C8B-B14F-4D97-AF65-F5344CB8AC3E}">
         <p14:creationId xmlns:p14="http://schemas.microsoft.com/office/powerpoint/2010/main" val="2817501756"/>
+      </p:ext>
+    </p:extLst>
+  </p:cSld>
+  <p:clrMapOvr>
+    <a:masterClrMapping/>
+  </p:clrMapOvr>
+  <mc:AlternateContent xmlns:mc="http://schemas.openxmlformats.org/markup-compatibility/2006" xmlns:p159="http://schemas.microsoft.com/office/powerpoint/2015/09/main">
+    <mc:Choice Requires="p159">
+      <p:transition xmlns:p14="http://schemas.microsoft.com/office/powerpoint/2010/main" spd="slow" p14:dur="2000">
+        <p159:morph option="byObject"/>
+      </p:transition>
+    </mc:Choice>
+    <mc:Fallback xmlns="">
+      <p:transition spd="slow">
+        <p:fade/>
+      </p:transition>
+    </mc:Fallback>
+  </mc:AlternateContent>
+</p:sld>
+</file>
+
+<file path=ppt/slides/slide2.xml><?xml version="1.0" encoding="utf-8"?>
+<p:sld xmlns:a="http://schemas.openxmlformats.org/drawingml/2006/main" xmlns:r="http://schemas.openxmlformats.org/officeDocument/2006/relationships" xmlns:p="http://schemas.openxmlformats.org/presentationml/2006/main">
+  <p:cSld>
+    <p:spTree>
+      <p:nvGrpSpPr>
+        <p:cNvPr id="1" name=""/>
+        <p:cNvGrpSpPr/>
+        <p:nvPr/>
+      </p:nvGrpSpPr>
+      <p:grpSpPr>
+        <a:xfrm>
+          <a:off x="0" y="0"/>
+          <a:ext cx="0" cy="0"/>
+          <a:chOff x="0" y="0"/>
+          <a:chExt cx="0" cy="0"/>
+        </a:xfrm>
+      </p:grpSpPr>
+      <p:sp>
+        <p:nvSpPr>
+          <p:cNvPr id="2" name="Título 1">
+            <a:extLst>
+              <a:ext uri="{FF2B5EF4-FFF2-40B4-BE49-F238E27FC236}">
+                <a16:creationId xmlns:a16="http://schemas.microsoft.com/office/drawing/2014/main" id="{2CE5E45E-400B-5736-841C-937CB386076D}"/>
+              </a:ext>
+            </a:extLst>
+          </p:cNvPr>
+          <p:cNvSpPr>
+            <a:spLocks noGrp="1"/>
+          </p:cNvSpPr>
+          <p:nvPr>
+            <p:ph type="title"/>
+          </p:nvPr>
+        </p:nvSpPr>
+        <p:spPr>
+          <a:xfrm>
+            <a:off x="0" y="0"/>
+            <a:ext cx="4683877" cy="970450"/>
+          </a:xfrm>
+        </p:spPr>
+        <p:txBody>
+          <a:bodyPr/>
+          <a:lstStyle/>
+          <a:p>
+            <a:r>
+              <a:rPr lang="pt-BR" dirty="0"/>
+              <a:t>Nome do Produto</a:t>
+            </a:r>
+          </a:p>
+        </p:txBody>
+      </p:sp>
+      <p:cxnSp>
+        <p:nvCxnSpPr>
+          <p:cNvPr id="5" name="Conector reto 4">
+            <a:extLst>
+              <a:ext uri="{FF2B5EF4-FFF2-40B4-BE49-F238E27FC236}">
+                <a16:creationId xmlns:a16="http://schemas.microsoft.com/office/drawing/2014/main" id="{68BBCB1E-E449-C31E-8D54-B2F0726FF87F}"/>
+              </a:ext>
+            </a:extLst>
+          </p:cNvPr>
+          <p:cNvCxnSpPr>
+            <a:cxnSpLocks/>
+          </p:cNvCxnSpPr>
+          <p:nvPr/>
+        </p:nvCxnSpPr>
+        <p:spPr>
+          <a:xfrm>
+            <a:off x="0" y="879010"/>
+            <a:ext cx="5415280" cy="0"/>
+          </a:xfrm>
+          <a:prstGeom prst="line">
+            <a:avLst/>
+          </a:prstGeom>
+        </p:spPr>
+        <p:style>
+          <a:lnRef idx="2">
+            <a:schemeClr val="accent2"/>
+          </a:lnRef>
+          <a:fillRef idx="0">
+            <a:schemeClr val="accent2"/>
+          </a:fillRef>
+          <a:effectRef idx="1">
+            <a:schemeClr val="accent2"/>
+          </a:effectRef>
+          <a:fontRef idx="minor">
+            <a:schemeClr val="tx1"/>
+          </a:fontRef>
+        </p:style>
+      </p:cxnSp>
+      <p:pic>
+        <p:nvPicPr>
+          <p:cNvPr id="12" name="Imagem 11" descr="Desenho de um círculo&#10;&#10;Descrição gerada automaticamente com confiança baixa">
+            <a:extLst>
+              <a:ext uri="{FF2B5EF4-FFF2-40B4-BE49-F238E27FC236}">
+                <a16:creationId xmlns:a16="http://schemas.microsoft.com/office/drawing/2014/main" id="{6FF7978D-DB4E-D2EE-B2D2-8F8DD94189AC}"/>
+              </a:ext>
+            </a:extLst>
+          </p:cNvPr>
+          <p:cNvPicPr>
+            <a:picLocks noChangeAspect="1"/>
+          </p:cNvPicPr>
+          <p:nvPr/>
+        </p:nvPicPr>
+        <p:blipFill>
+          <a:blip r:embed="rId2">
+            <a:extLst>
+              <a:ext uri="{28A0092B-C50C-407E-A947-70E740481C1C}">
+                <a14:useLocalDpi xmlns:a14="http://schemas.microsoft.com/office/drawing/2010/main" val="0"/>
+              </a:ext>
+            </a:extLst>
+          </a:blip>
+          <a:stretch>
+            <a:fillRect/>
+          </a:stretch>
+        </p:blipFill>
+        <p:spPr>
+          <a:xfrm>
+            <a:off x="548645" y="1218706"/>
+            <a:ext cx="5830604" cy="2969676"/>
+          </a:xfrm>
+          <a:prstGeom prst="rect">
+            <a:avLst/>
+          </a:prstGeom>
+        </p:spPr>
+      </p:pic>
+      <p:pic>
+        <p:nvPicPr>
+          <p:cNvPr id="8" name="Imagem 7" descr="Logotipo&#10;&#10;Descrição gerada automaticamente">
+            <a:extLst>
+              <a:ext uri="{FF2B5EF4-FFF2-40B4-BE49-F238E27FC236}">
+                <a16:creationId xmlns:a16="http://schemas.microsoft.com/office/drawing/2014/main" id="{F9A30EFD-7A19-4A22-16F5-B15967EFB491}"/>
+              </a:ext>
+            </a:extLst>
+          </p:cNvPr>
+          <p:cNvPicPr>
+            <a:picLocks noChangeAspect="1"/>
+          </p:cNvPicPr>
+          <p:nvPr/>
+        </p:nvPicPr>
+        <p:blipFill>
+          <a:blip r:embed="rId3">
+            <a:extLst>
+              <a:ext uri="{28A0092B-C50C-407E-A947-70E740481C1C}">
+                <a14:useLocalDpi xmlns:a14="http://schemas.microsoft.com/office/drawing/2010/main" val="0"/>
+              </a:ext>
+            </a:extLst>
+          </a:blip>
+          <a:stretch>
+            <a:fillRect/>
+          </a:stretch>
+        </p:blipFill>
+        <p:spPr>
+          <a:xfrm>
+            <a:off x="5831840" y="3429000"/>
+            <a:ext cx="6121491" cy="3196259"/>
+          </a:xfrm>
+          <a:prstGeom prst="rect">
+            <a:avLst/>
+          </a:prstGeom>
+        </p:spPr>
+      </p:pic>
+    </p:spTree>
+    <p:extLst>
+      <p:ext uri="{BB962C8B-B14F-4D97-AF65-F5344CB8AC3E}">
+        <p14:creationId xmlns:p14="http://schemas.microsoft.com/office/powerpoint/2010/main" val="3669458264"/>
+      </p:ext>
+    </p:extLst>
+  </p:cSld>
+  <p:clrMapOvr>
+    <a:masterClrMapping/>
+  </p:clrMapOvr>
+  <mc:AlternateContent xmlns:mc="http://schemas.openxmlformats.org/markup-compatibility/2006" xmlns:p159="http://schemas.microsoft.com/office/powerpoint/2015/09/main">
+    <mc:Choice Requires="p159">
+      <p:transition xmlns:p14="http://schemas.microsoft.com/office/powerpoint/2010/main" spd="slow" p14:dur="2000">
+        <p159:morph option="byObject"/>
+      </p:transition>
+    </mc:Choice>
+    <mc:Fallback xmlns="">
+      <p:transition spd="slow">
+        <p:fade/>
+      </p:transition>
+    </mc:Fallback>
+  </mc:AlternateContent>
+</p:sld>
+</file>
+
+<file path=ppt/slides/slide3.xml><?xml version="1.0" encoding="utf-8"?>
+<p:sld xmlns:a="http://schemas.openxmlformats.org/drawingml/2006/main" xmlns:r="http://schemas.openxmlformats.org/officeDocument/2006/relationships" xmlns:p="http://schemas.openxmlformats.org/presentationml/2006/main">
+  <p:cSld>
+    <p:spTree>
+      <p:nvGrpSpPr>
+        <p:cNvPr id="1" name=""/>
+        <p:cNvGrpSpPr/>
+        <p:nvPr/>
+      </p:nvGrpSpPr>
+      <p:grpSpPr>
+        <a:xfrm>
+          <a:off x="0" y="0"/>
+          <a:ext cx="0" cy="0"/>
+          <a:chOff x="0" y="0"/>
+          <a:chExt cx="0" cy="0"/>
+        </a:xfrm>
+      </p:grpSpPr>
+      <p:pic>
+        <p:nvPicPr>
+          <p:cNvPr id="4" name="Imagem 3">
+            <a:extLst>
+              <a:ext uri="{FF2B5EF4-FFF2-40B4-BE49-F238E27FC236}">
+                <a16:creationId xmlns:a16="http://schemas.microsoft.com/office/drawing/2014/main" id="{EDCABD48-76E8-B96F-0C5D-B198AB5305EC}"/>
+              </a:ext>
+            </a:extLst>
+          </p:cNvPr>
+          <p:cNvPicPr>
+            <a:picLocks noChangeAspect="1"/>
+          </p:cNvPicPr>
+          <p:nvPr/>
+        </p:nvPicPr>
+        <p:blipFill>
+          <a:blip r:embed="rId2"/>
+          <a:stretch>
+            <a:fillRect/>
+          </a:stretch>
+        </p:blipFill>
+        <p:spPr>
+          <a:xfrm>
+            <a:off x="1785937" y="852487"/>
+            <a:ext cx="8620125" cy="5153025"/>
+          </a:xfrm>
+          <a:prstGeom prst="rect">
+            <a:avLst/>
+          </a:prstGeom>
+          <a:solidFill>
+            <a:schemeClr val="accent2"/>
+          </a:solidFill>
+          <a:ln w="19050">
+            <a:solidFill>
+              <a:srgbClr val="FFC000"/>
+            </a:solidFill>
+          </a:ln>
+        </p:spPr>
+        <p:style>
+          <a:lnRef idx="2">
+            <a:schemeClr val="accent2"/>
+          </a:lnRef>
+          <a:fillRef idx="1">
+            <a:schemeClr val="lt1"/>
+          </a:fillRef>
+          <a:effectRef idx="0">
+            <a:schemeClr val="accent2"/>
+          </a:effectRef>
+          <a:fontRef idx="minor">
+            <a:schemeClr val="dk1"/>
+          </a:fontRef>
+        </p:style>
+      </p:pic>
+    </p:spTree>
+    <p:extLst>
+      <p:ext uri="{BB962C8B-B14F-4D97-AF65-F5344CB8AC3E}">
+        <p14:creationId xmlns:p14="http://schemas.microsoft.com/office/powerpoint/2010/main" val="2286150769"/>
+      </p:ext>
+    </p:extLst>
+  </p:cSld>
+  <p:clrMapOvr>
+    <a:masterClrMapping/>
+  </p:clrMapOvr>
+  <mc:AlternateContent xmlns:mc="http://schemas.openxmlformats.org/markup-compatibility/2006" xmlns:p159="http://schemas.microsoft.com/office/powerpoint/2015/09/main">
+    <mc:Choice Requires="p159">
+      <p:transition xmlns:p14="http://schemas.microsoft.com/office/powerpoint/2010/main" spd="slow" p14:dur="2000">
+        <p159:morph option="byObject"/>
+      </p:transition>
+    </mc:Choice>
+    <mc:Fallback xmlns="">
+      <p:transition spd="slow">
+        <p:fade/>
+      </p:transition>
+    </mc:Fallback>
+  </mc:AlternateContent>
+</p:sld>
+</file>
+
+<file path=ppt/slides/slide4.xml><?xml version="1.0" encoding="utf-8"?>
+<p:sld xmlns:a="http://schemas.openxmlformats.org/drawingml/2006/main" xmlns:r="http://schemas.openxmlformats.org/officeDocument/2006/relationships" xmlns:p="http://schemas.openxmlformats.org/presentationml/2006/main">
+  <p:cSld>
+    <p:spTree>
+      <p:nvGrpSpPr>
+        <p:cNvPr id="1" name=""/>
+        <p:cNvGrpSpPr/>
+        <p:nvPr/>
+      </p:nvGrpSpPr>
+      <p:grpSpPr>
+        <a:xfrm>
+          <a:off x="0" y="0"/>
+          <a:ext cx="0" cy="0"/>
+          <a:chOff x="0" y="0"/>
+          <a:chExt cx="0" cy="0"/>
+        </a:xfrm>
+      </p:grpSpPr>
+      <p:pic>
+        <p:nvPicPr>
+          <p:cNvPr id="4" name="Picture 3">
+            <a:extLst>
+              <a:ext uri="{FF2B5EF4-FFF2-40B4-BE49-F238E27FC236}">
+                <a16:creationId xmlns:a16="http://schemas.microsoft.com/office/drawing/2014/main" id="{73A0A39E-D04F-B8C0-6422-0D1036371C73}"/>
+              </a:ext>
+            </a:extLst>
+          </p:cNvPr>
+          <p:cNvPicPr>
+            <a:picLocks noChangeAspect="1"/>
+          </p:cNvPicPr>
+          <p:nvPr/>
+        </p:nvPicPr>
+        <p:blipFill>
+          <a:blip r:embed="rId2"/>
+          <a:stretch>
+            <a:fillRect/>
+          </a:stretch>
+        </p:blipFill>
+        <p:spPr>
+          <a:xfrm>
+            <a:off x="1647825" y="766762"/>
+            <a:ext cx="8896350" cy="5324475"/>
+          </a:xfrm>
+          <a:prstGeom prst="rect">
+            <a:avLst/>
+          </a:prstGeom>
+          <a:ln w="12700">
+            <a:solidFill>
+              <a:srgbClr val="FFCC00"/>
+            </a:solidFill>
+          </a:ln>
+        </p:spPr>
+      </p:pic>
+    </p:spTree>
+    <p:extLst>
+      <p:ext uri="{BB962C8B-B14F-4D97-AF65-F5344CB8AC3E}">
+        <p14:creationId xmlns:p14="http://schemas.microsoft.com/office/powerpoint/2010/main" val="402454906"/>
+      </p:ext>
+    </p:extLst>
+  </p:cSld>
+  <p:clrMapOvr>
+    <a:masterClrMapping/>
+  </p:clrMapOvr>
+  <mc:AlternateContent xmlns:mc="http://schemas.openxmlformats.org/markup-compatibility/2006" xmlns:p159="http://schemas.microsoft.com/office/powerpoint/2015/09/main">
+    <mc:Choice Requires="p159">
+      <p:transition xmlns:p14="http://schemas.microsoft.com/office/powerpoint/2010/main" spd="slow" p14:dur="2000">
+        <p159:morph option="byObject"/>
+      </p:transition>
+    </mc:Choice>
+    <mc:Fallback xmlns="">
+      <p:transition spd="slow">
+        <p:fade/>
+      </p:transition>
+    </mc:Fallback>
+  </mc:AlternateContent>
+</p:sld>
+</file>
+
+<file path=ppt/slides/slide5.xml><?xml version="1.0" encoding="utf-8"?>
+<p:sld xmlns:a="http://schemas.openxmlformats.org/drawingml/2006/main" xmlns:r="http://schemas.openxmlformats.org/officeDocument/2006/relationships" xmlns:p="http://schemas.openxmlformats.org/presentationml/2006/main">
+  <p:cSld>
+    <p:spTree>
+      <p:nvGrpSpPr>
+        <p:cNvPr id="1" name="">
+          <a:extLst>
+            <a:ext uri="{FF2B5EF4-FFF2-40B4-BE49-F238E27FC236}">
+              <a16:creationId xmlns:a16="http://schemas.microsoft.com/office/drawing/2014/main" id="{01D2EAE6-D281-4357-3217-81AF731D2D28}"/>
+            </a:ext>
+          </a:extLst>
+        </p:cNvPr>
+        <p:cNvGrpSpPr/>
+        <p:nvPr/>
+      </p:nvGrpSpPr>
+      <p:grpSpPr>
+        <a:xfrm>
+          <a:off x="0" y="0"/>
+          <a:ext cx="0" cy="0"/>
+          <a:chOff x="0" y="0"/>
+          <a:chExt cx="0" cy="0"/>
+        </a:xfrm>
+      </p:grpSpPr>
+      <p:pic>
+        <p:nvPicPr>
+          <p:cNvPr id="4" name="Picture 3">
+            <a:extLst>
+              <a:ext uri="{FF2B5EF4-FFF2-40B4-BE49-F238E27FC236}">
+                <a16:creationId xmlns:a16="http://schemas.microsoft.com/office/drawing/2014/main" id="{981210CA-5CE8-C3E9-531B-8C42D5B58289}"/>
+              </a:ext>
+            </a:extLst>
+          </p:cNvPr>
+          <p:cNvPicPr>
+            <a:picLocks noChangeAspect="1"/>
+          </p:cNvPicPr>
+          <p:nvPr/>
+        </p:nvPicPr>
+        <p:blipFill>
+          <a:blip r:embed="rId2"/>
+          <a:stretch>
+            <a:fillRect/>
+          </a:stretch>
+        </p:blipFill>
+        <p:spPr>
+          <a:xfrm>
+            <a:off x="1051560" y="-735012"/>
+            <a:ext cx="15971520" cy="9558972"/>
+          </a:xfrm>
+          <a:prstGeom prst="rect">
+            <a:avLst/>
+          </a:prstGeom>
+          <a:ln w="12700">
+            <a:solidFill>
+              <a:srgbClr val="FFCC00"/>
+            </a:solidFill>
+          </a:ln>
+        </p:spPr>
+      </p:pic>
+    </p:spTree>
+    <p:extLst>
+      <p:ext uri="{BB962C8B-B14F-4D97-AF65-F5344CB8AC3E}">
+        <p14:creationId xmlns:p14="http://schemas.microsoft.com/office/powerpoint/2010/main" val="3871759289"/>
+      </p:ext>
+    </p:extLst>
+  </p:cSld>
+  <p:clrMapOvr>
+    <a:masterClrMapping/>
+  </p:clrMapOvr>
+  <mc:AlternateContent xmlns:mc="http://schemas.openxmlformats.org/markup-compatibility/2006">
+    <mc:Choice xmlns:p159="http://schemas.microsoft.com/office/powerpoint/2015/09/main" Requires="p159">
+      <p:transition xmlns:p14="http://schemas.microsoft.com/office/powerpoint/2010/main" spd="slow" p14:dur="2000">
+        <p159:morph option="byObject"/>
+      </p:transition>
+    </mc:Choice>
+    <mc:Fallback>
+      <p:transition spd="slow">
+        <p:fade/>
+      </p:transition>
+    </mc:Fallback>
+  </mc:AlternateContent>
+</p:sld>
+</file>
+
+<file path=ppt/slides/slide6.xml><?xml version="1.0" encoding="utf-8"?>
+<p:sld xmlns:a="http://schemas.openxmlformats.org/drawingml/2006/main" xmlns:r="http://schemas.openxmlformats.org/officeDocument/2006/relationships" xmlns:p="http://schemas.openxmlformats.org/presentationml/2006/main">
+  <p:cSld>
+    <p:spTree>
+      <p:nvGrpSpPr>
+        <p:cNvPr id="1" name="">
+          <a:extLst>
+            <a:ext uri="{FF2B5EF4-FFF2-40B4-BE49-F238E27FC236}">
+              <a16:creationId xmlns:a16="http://schemas.microsoft.com/office/drawing/2014/main" id="{F3A1DD5A-E9AC-98F0-9457-5D80B52FDA09}"/>
+            </a:ext>
+          </a:extLst>
+        </p:cNvPr>
+        <p:cNvGrpSpPr/>
+        <p:nvPr/>
+      </p:nvGrpSpPr>
+      <p:grpSpPr>
+        <a:xfrm>
+          <a:off x="0" y="0"/>
+          <a:ext cx="0" cy="0"/>
+          <a:chOff x="0" y="0"/>
+          <a:chExt cx="0" cy="0"/>
+        </a:xfrm>
+      </p:grpSpPr>
+      <p:pic>
+        <p:nvPicPr>
+          <p:cNvPr id="4" name="Picture 3">
+            <a:extLst>
+              <a:ext uri="{FF2B5EF4-FFF2-40B4-BE49-F238E27FC236}">
+                <a16:creationId xmlns:a16="http://schemas.microsoft.com/office/drawing/2014/main" id="{A0353E5C-C14B-DD26-E019-1E9DE1175CB0}"/>
+              </a:ext>
+            </a:extLst>
+          </p:cNvPr>
+          <p:cNvPicPr>
+            <a:picLocks noChangeAspect="1"/>
+          </p:cNvPicPr>
+          <p:nvPr/>
+        </p:nvPicPr>
+        <p:blipFill>
+          <a:blip r:embed="rId2"/>
+          <a:stretch>
+            <a:fillRect/>
+          </a:stretch>
+        </p:blipFill>
+        <p:spPr>
+          <a:xfrm>
+            <a:off x="638743" y="-4958081"/>
+            <a:ext cx="18877028" cy="11297921"/>
+          </a:xfrm>
+          <a:prstGeom prst="rect">
+            <a:avLst/>
+          </a:prstGeom>
+          <a:ln w="12700">
+            <a:solidFill>
+              <a:srgbClr val="FFCC00"/>
+            </a:solidFill>
+          </a:ln>
+        </p:spPr>
+      </p:pic>
+    </p:spTree>
+    <p:extLst>
+      <p:ext uri="{BB962C8B-B14F-4D97-AF65-F5344CB8AC3E}">
+        <p14:creationId xmlns:p14="http://schemas.microsoft.com/office/powerpoint/2010/main" val="4123014786"/>
+      </p:ext>
+    </p:extLst>
+  </p:cSld>
+  <p:clrMapOvr>
+    <a:masterClrMapping/>
+  </p:clrMapOvr>
+  <mc:AlternateContent xmlns:mc="http://schemas.openxmlformats.org/markup-compatibility/2006">
+    <mc:Choice xmlns:p159="http://schemas.microsoft.com/office/powerpoint/2015/09/main" Requires="p159">
+      <p:transition xmlns:p14="http://schemas.microsoft.com/office/powerpoint/2010/main" spd="slow" p14:dur="2000">
+        <p159:morph option="byObject"/>
+      </p:transition>
+    </mc:Choice>
+    <mc:Fallback>
+      <p:transition spd="slow">
+        <p:fade/>
+      </p:transition>
+    </mc:Fallback>
+  </mc:AlternateContent>
+</p:sld>
+</file>
+
+<file path=ppt/slides/slide7.xml><?xml version="1.0" encoding="utf-8"?>
+<p:sld xmlns:a="http://schemas.openxmlformats.org/drawingml/2006/main" xmlns:r="http://schemas.openxmlformats.org/officeDocument/2006/relationships" xmlns:p="http://schemas.openxmlformats.org/presentationml/2006/main">
+  <p:cSld>
+    <p:spTree>
+      <p:nvGrpSpPr>
+        <p:cNvPr id="1" name="">
+          <a:extLst>
+            <a:ext uri="{FF2B5EF4-FFF2-40B4-BE49-F238E27FC236}">
+              <a16:creationId xmlns:a16="http://schemas.microsoft.com/office/drawing/2014/main" id="{3E8EAF6E-19B2-8BCA-0643-72B61782B2B8}"/>
+            </a:ext>
+          </a:extLst>
+        </p:cNvPr>
+        <p:cNvGrpSpPr/>
+        <p:nvPr/>
+      </p:nvGrpSpPr>
+      <p:grpSpPr>
+        <a:xfrm>
+          <a:off x="0" y="0"/>
+          <a:ext cx="0" cy="0"/>
+          <a:chOff x="0" y="0"/>
+          <a:chExt cx="0" cy="0"/>
+        </a:xfrm>
+      </p:grpSpPr>
+      <p:pic>
+        <p:nvPicPr>
+          <p:cNvPr id="4" name="Picture 3">
+            <a:extLst>
+              <a:ext uri="{FF2B5EF4-FFF2-40B4-BE49-F238E27FC236}">
+                <a16:creationId xmlns:a16="http://schemas.microsoft.com/office/drawing/2014/main" id="{D69AC51C-D160-C652-B88F-6A924CC27F99}"/>
+              </a:ext>
+            </a:extLst>
+          </p:cNvPr>
+          <p:cNvPicPr>
+            <a:picLocks noChangeAspect="1"/>
+          </p:cNvPicPr>
+          <p:nvPr/>
+        </p:nvPicPr>
+        <p:blipFill>
+          <a:blip r:embed="rId2"/>
+          <a:stretch>
+            <a:fillRect/>
+          </a:stretch>
+        </p:blipFill>
+        <p:spPr>
+          <a:xfrm>
+            <a:off x="-5577840" y="-543878"/>
+            <a:ext cx="17493615" cy="10469947"/>
+          </a:xfrm>
+          <a:prstGeom prst="rect">
+            <a:avLst/>
+          </a:prstGeom>
+          <a:ln w="12700">
+            <a:solidFill>
+              <a:srgbClr val="FFCC00"/>
+            </a:solidFill>
+          </a:ln>
+        </p:spPr>
+      </p:pic>
+    </p:spTree>
+    <p:extLst>
+      <p:ext uri="{BB962C8B-B14F-4D97-AF65-F5344CB8AC3E}">
+        <p14:creationId xmlns:p14="http://schemas.microsoft.com/office/powerpoint/2010/main" val="2587773288"/>
+      </p:ext>
+    </p:extLst>
+  </p:cSld>
+  <p:clrMapOvr>
+    <a:masterClrMapping/>
+  </p:clrMapOvr>
+  <mc:AlternateContent xmlns:mc="http://schemas.openxmlformats.org/markup-compatibility/2006">
+    <mc:Choice xmlns:p159="http://schemas.microsoft.com/office/powerpoint/2015/09/main" Requires="p159">
+      <p:transition xmlns:p14="http://schemas.microsoft.com/office/powerpoint/2010/main" spd="slow" p14:dur="2000">
+        <p159:morph option="byObject"/>
+      </p:transition>
+    </mc:Choice>
+    <mc:Fallback>
+      <p:transition spd="slow">
+        <p:fade/>
+      </p:transition>
+    </mc:Fallback>
+  </mc:AlternateContent>
+</p:sld>
+</file>
+
+<file path=ppt/slides/slide8.xml><?xml version="1.0" encoding="utf-8"?>
+<p:sld xmlns:a="http://schemas.openxmlformats.org/drawingml/2006/main" xmlns:r="http://schemas.openxmlformats.org/officeDocument/2006/relationships" xmlns:p="http://schemas.openxmlformats.org/presentationml/2006/main">
+  <p:cSld>
+    <p:spTree>
+      <p:nvGrpSpPr>
+        <p:cNvPr id="1" name="">
+          <a:extLst>
+            <a:ext uri="{FF2B5EF4-FFF2-40B4-BE49-F238E27FC236}">
+              <a16:creationId xmlns:a16="http://schemas.microsoft.com/office/drawing/2014/main" id="{A2CA7732-0E4C-B928-8908-C75CB1EF9C38}"/>
+            </a:ext>
+          </a:extLst>
+        </p:cNvPr>
+        <p:cNvGrpSpPr/>
+        <p:nvPr/>
+      </p:nvGrpSpPr>
+      <p:grpSpPr>
+        <a:xfrm>
+          <a:off x="0" y="0"/>
+          <a:ext cx="0" cy="0"/>
+          <a:chOff x="0" y="0"/>
+          <a:chExt cx="0" cy="0"/>
+        </a:xfrm>
+      </p:grpSpPr>
+      <p:pic>
+        <p:nvPicPr>
+          <p:cNvPr id="4" name="Picture 3">
+            <a:extLst>
+              <a:ext uri="{FF2B5EF4-FFF2-40B4-BE49-F238E27FC236}">
+                <a16:creationId xmlns:a16="http://schemas.microsoft.com/office/drawing/2014/main" id="{9D053730-1814-18D1-E31A-5457A74891CA}"/>
+              </a:ext>
+            </a:extLst>
+          </p:cNvPr>
+          <p:cNvPicPr>
+            <a:picLocks noChangeAspect="1"/>
+          </p:cNvPicPr>
+          <p:nvPr/>
+        </p:nvPicPr>
+        <p:blipFill>
+          <a:blip r:embed="rId2"/>
+          <a:stretch>
+            <a:fillRect/>
+          </a:stretch>
+        </p:blipFill>
+        <p:spPr>
+          <a:xfrm>
+            <a:off x="-8476302" y="-5654040"/>
+            <a:ext cx="20192646" cy="12085320"/>
+          </a:xfrm>
+          <a:prstGeom prst="rect">
+            <a:avLst/>
+          </a:prstGeom>
+          <a:ln w="12700">
+            <a:solidFill>
+              <a:srgbClr val="FFCC00"/>
+            </a:solidFill>
+          </a:ln>
+        </p:spPr>
+      </p:pic>
+    </p:spTree>
+    <p:extLst>
+      <p:ext uri="{BB962C8B-B14F-4D97-AF65-F5344CB8AC3E}">
+        <p14:creationId xmlns:p14="http://schemas.microsoft.com/office/powerpoint/2010/main" val="1993852031"/>
+      </p:ext>
+    </p:extLst>
+  </p:cSld>
+  <p:clrMapOvr>
+    <a:masterClrMapping/>
+  </p:clrMapOvr>
+  <mc:AlternateContent xmlns:mc="http://schemas.openxmlformats.org/markup-compatibility/2006">
+    <mc:Choice xmlns:p159="http://schemas.microsoft.com/office/powerpoint/2015/09/main" Requires="p159">
+      <p:transition xmlns:p14="http://schemas.microsoft.com/office/powerpoint/2010/main" spd="slow" p14:dur="2000">
+        <p159:morph option="byObject"/>
+      </p:transition>
+    </mc:Choice>
+    <mc:Fallback>
+      <p:transition spd="slow">
+        <p:fade/>
+      </p:transition>
+    </mc:Fallback>
+  </mc:AlternateContent>
+</p:sld>
+</file>
+
+<file path=ppt/slides/slide9.xml><?xml version="1.0" encoding="utf-8"?>
+<p:sld xmlns:a="http://schemas.openxmlformats.org/drawingml/2006/main" xmlns:r="http://schemas.openxmlformats.org/officeDocument/2006/relationships" xmlns:p="http://schemas.openxmlformats.org/presentationml/2006/main">
+  <p:cSld>
+    <p:spTree>
+      <p:nvGrpSpPr>
+        <p:cNvPr id="1" name="">
+          <a:extLst>
+            <a:ext uri="{FF2B5EF4-FFF2-40B4-BE49-F238E27FC236}">
+              <a16:creationId xmlns:a16="http://schemas.microsoft.com/office/drawing/2014/main" id="{72D66635-C86C-6D43-1F73-0C3905032EE5}"/>
+            </a:ext>
+          </a:extLst>
+        </p:cNvPr>
+        <p:cNvGrpSpPr/>
+        <p:nvPr/>
+      </p:nvGrpSpPr>
+      <p:grpSpPr>
+        <a:xfrm>
+          <a:off x="0" y="0"/>
+          <a:ext cx="0" cy="0"/>
+          <a:chOff x="0" y="0"/>
+          <a:chExt cx="0" cy="0"/>
+        </a:xfrm>
+      </p:grpSpPr>
+      <p:pic>
+        <p:nvPicPr>
+          <p:cNvPr id="4" name="Picture 3">
+            <a:extLst>
+              <a:ext uri="{FF2B5EF4-FFF2-40B4-BE49-F238E27FC236}">
+                <a16:creationId xmlns:a16="http://schemas.microsoft.com/office/drawing/2014/main" id="{7486D157-B602-563C-BEE0-C41C724E6DCF}"/>
+              </a:ext>
+            </a:extLst>
+          </p:cNvPr>
+          <p:cNvPicPr>
+            <a:picLocks noChangeAspect="1"/>
+          </p:cNvPicPr>
+          <p:nvPr/>
+        </p:nvPicPr>
+        <p:blipFill>
+          <a:blip r:embed="rId2"/>
+          <a:stretch>
+            <a:fillRect/>
+          </a:stretch>
+        </p:blipFill>
+        <p:spPr>
+          <a:xfrm>
+            <a:off x="1647825" y="766762"/>
+            <a:ext cx="8896350" cy="5324475"/>
+          </a:xfrm>
+          <a:prstGeom prst="rect">
+            <a:avLst/>
+          </a:prstGeom>
+          <a:ln w="12700">
+            <a:solidFill>
+              <a:srgbClr val="FFCC00"/>
+            </a:solidFill>
+          </a:ln>
+        </p:spPr>
+      </p:pic>
+    </p:spTree>
+    <p:extLst>
+      <p:ext uri="{BB962C8B-B14F-4D97-AF65-F5344CB8AC3E}">
+        <p14:creationId xmlns:p14="http://schemas.microsoft.com/office/powerpoint/2010/main" val="1715084742"/>
       </p:ext>
     </p:extLst>
   </p:cSld>

--- a/3Periodo/ExcProjetandoSolucoes/Apresentacao - AutoChoice.pptx
+++ b/3Periodo/ExcProjetandoSolucoes/Apresentacao - AutoChoice.pptx
@@ -155,23 +155,30 @@
 </p:presentation>
 </file>
 
-<file path=ppt/revisionInfo.xml><?xml version="1.0" encoding="utf-8"?>
-<p1510:revInfo xmlns:a="http://schemas.openxmlformats.org/drawingml/2006/main" xmlns:r="http://schemas.openxmlformats.org/officeDocument/2006/relationships" xmlns:p1510="http://schemas.microsoft.com/office/powerpoint/2015/10/main">
-  <p1510:revLst>
-    <p1510:client id="{DF3F21A5-97B1-4E04-8BB2-6BCC0C4A6933}" v="11" dt="2024-03-26T12:08:56.010"/>
-  </p1510:revLst>
-</p1510:revInfo>
-</file>
-
 <file path=ppt/changesInfos/changesInfo1.xml><?xml version="1.0" encoding="utf-8"?>
 <pc:chgInfo xmlns:a="http://schemas.openxmlformats.org/drawingml/2006/main" xmlns:r="http://schemas.openxmlformats.org/officeDocument/2006/relationships" xmlns:ac="http://schemas.microsoft.com/office/drawing/2013/main/command" xmlns:pc="http://schemas.microsoft.com/office/powerpoint/2013/main/command">
   <pc:docChgLst>
     <pc:chgData name="Ary Farah" userId="b4a11b600c829974" providerId="LiveId" clId="{A1195795-A862-4B09-B3B8-6B4BCECB95AE}"/>
     <pc:docChg chg="undo custSel modSld">
-      <pc:chgData name="Ary Farah" userId="b4a11b600c829974" providerId="LiveId" clId="{A1195795-A862-4B09-B3B8-6B4BCECB95AE}" dt="2024-03-24T16:19:11.743" v="43" actId="1582"/>
+      <pc:chgData name="Ary Farah" userId="b4a11b600c829974" providerId="LiveId" clId="{A1195795-A862-4B09-B3B8-6B4BCECB95AE}" dt="2024-03-27T18:40:50.381" v="44" actId="208"/>
       <pc:docMkLst>
         <pc:docMk/>
       </pc:docMkLst>
+      <pc:sldChg chg="modSp mod">
+        <pc:chgData name="Ary Farah" userId="b4a11b600c829974" providerId="LiveId" clId="{A1195795-A862-4B09-B3B8-6B4BCECB95AE}" dt="2024-03-27T18:40:50.381" v="44" actId="208"/>
+        <pc:sldMkLst>
+          <pc:docMk/>
+          <pc:sldMk cId="2286150769" sldId="258"/>
+        </pc:sldMkLst>
+        <pc:picChg chg="mod">
+          <ac:chgData name="Ary Farah" userId="b4a11b600c829974" providerId="LiveId" clId="{A1195795-A862-4B09-B3B8-6B4BCECB95AE}" dt="2024-03-27T18:40:50.381" v="44" actId="208"/>
+          <ac:picMkLst>
+            <pc:docMk/>
+            <pc:sldMk cId="2286150769" sldId="258"/>
+            <ac:picMk id="4" creationId="{EDCABD48-76E8-B96F-0C5D-B198AB5305EC}"/>
+          </ac:picMkLst>
+        </pc:picChg>
+      </pc:sldChg>
       <pc:sldChg chg="addSp delSp modSp mod">
         <pc:chgData name="Ary Farah" userId="b4a11b600c829974" providerId="LiveId" clId="{A1195795-A862-4B09-B3B8-6B4BCECB95AE}" dt="2024-03-24T16:19:11.743" v="43" actId="1582"/>
         <pc:sldMkLst>
@@ -842,7 +849,7 @@
           <a:p>
             <a:fld id="{5477F272-5102-41AE-9590-F3FA2629C121}" type="datetimeFigureOut">
               <a:rPr lang="pt-BR" smtClean="0"/>
-              <a:t>26/03/2024</a:t>
+              <a:t>27/03/2024</a:t>
             </a:fld>
             <a:endParaRPr lang="pt-BR"/>
           </a:p>
@@ -884,7 +891,7 @@
           <a:p>
             <a:fld id="{79D7372B-5589-45CA-8A12-CF4F312AF3AB}" type="slidenum">
               <a:rPr lang="pt-BR" smtClean="0"/>
-              <a:t>‹nº›</a:t>
+              <a:t>‹#›</a:t>
             </a:fld>
             <a:endParaRPr lang="pt-BR"/>
           </a:p>
@@ -1140,7 +1147,7 @@
           <a:p>
             <a:fld id="{5477F272-5102-41AE-9590-F3FA2629C121}" type="datetimeFigureOut">
               <a:rPr lang="pt-BR" smtClean="0"/>
-              <a:t>26/03/2024</a:t>
+              <a:t>27/03/2024</a:t>
             </a:fld>
             <a:endParaRPr lang="pt-BR"/>
           </a:p>
@@ -1182,7 +1189,7 @@
           <a:p>
             <a:fld id="{79D7372B-5589-45CA-8A12-CF4F312AF3AB}" type="slidenum">
               <a:rPr lang="pt-BR" smtClean="0"/>
-              <a:t>‹nº›</a:t>
+              <a:t>‹#›</a:t>
             </a:fld>
             <a:endParaRPr lang="pt-BR"/>
           </a:p>
@@ -1332,7 +1339,7 @@
           <a:p>
             <a:fld id="{5477F272-5102-41AE-9590-F3FA2629C121}" type="datetimeFigureOut">
               <a:rPr lang="pt-BR" smtClean="0"/>
-              <a:t>26/03/2024</a:t>
+              <a:t>27/03/2024</a:t>
             </a:fld>
             <a:endParaRPr lang="pt-BR"/>
           </a:p>
@@ -1374,7 +1381,7 @@
           <a:p>
             <a:fld id="{79D7372B-5589-45CA-8A12-CF4F312AF3AB}" type="slidenum">
               <a:rPr lang="pt-BR" smtClean="0"/>
-              <a:t>‹nº›</a:t>
+              <a:t>‹#›</a:t>
             </a:fld>
             <a:endParaRPr lang="pt-BR"/>
           </a:p>
@@ -1593,7 +1600,7 @@
           <a:p>
             <a:fld id="{5477F272-5102-41AE-9590-F3FA2629C121}" type="datetimeFigureOut">
               <a:rPr lang="pt-BR" smtClean="0"/>
-              <a:t>26/03/2024</a:t>
+              <a:t>27/03/2024</a:t>
             </a:fld>
             <a:endParaRPr lang="pt-BR"/>
           </a:p>
@@ -1635,7 +1642,7 @@
           <a:p>
             <a:fld id="{79D7372B-5589-45CA-8A12-CF4F312AF3AB}" type="slidenum">
               <a:rPr lang="pt-BR" smtClean="0"/>
-              <a:t>‹nº›</a:t>
+              <a:t>‹#›</a:t>
             </a:fld>
             <a:endParaRPr lang="pt-BR"/>
           </a:p>
@@ -2017,7 +2024,7 @@
           <a:p>
             <a:fld id="{5477F272-5102-41AE-9590-F3FA2629C121}" type="datetimeFigureOut">
               <a:rPr lang="pt-BR" smtClean="0"/>
-              <a:t>26/03/2024</a:t>
+              <a:t>27/03/2024</a:t>
             </a:fld>
             <a:endParaRPr lang="pt-BR"/>
           </a:p>
@@ -2059,7 +2066,7 @@
           <a:p>
             <a:fld id="{79D7372B-5589-45CA-8A12-CF4F312AF3AB}" type="slidenum">
               <a:rPr lang="pt-BR" smtClean="0"/>
-              <a:t>‹nº›</a:t>
+              <a:t>‹#›</a:t>
             </a:fld>
             <a:endParaRPr lang="pt-BR"/>
           </a:p>
@@ -2554,7 +2561,7 @@
           <a:p>
             <a:fld id="{5477F272-5102-41AE-9590-F3FA2629C121}" type="datetimeFigureOut">
               <a:rPr lang="pt-BR" smtClean="0"/>
-              <a:t>26/03/2024</a:t>
+              <a:t>27/03/2024</a:t>
             </a:fld>
             <a:endParaRPr lang="pt-BR"/>
           </a:p>
@@ -2596,7 +2603,7 @@
           <a:p>
             <a:fld id="{79D7372B-5589-45CA-8A12-CF4F312AF3AB}" type="slidenum">
               <a:rPr lang="pt-BR" smtClean="0"/>
-              <a:t>‹nº›</a:t>
+              <a:t>‹#›</a:t>
             </a:fld>
             <a:endParaRPr lang="pt-BR"/>
           </a:p>
@@ -3418,7 +3425,7 @@
           <a:p>
             <a:fld id="{5477F272-5102-41AE-9590-F3FA2629C121}" type="datetimeFigureOut">
               <a:rPr lang="pt-BR" smtClean="0"/>
-              <a:t>26/03/2024</a:t>
+              <a:t>27/03/2024</a:t>
             </a:fld>
             <a:endParaRPr lang="pt-BR"/>
           </a:p>
@@ -3460,7 +3467,7 @@
           <a:p>
             <a:fld id="{79D7372B-5589-45CA-8A12-CF4F312AF3AB}" type="slidenum">
               <a:rPr lang="pt-BR" smtClean="0"/>
-              <a:t>‹nº›</a:t>
+              <a:t>‹#›</a:t>
             </a:fld>
             <a:endParaRPr lang="pt-BR"/>
           </a:p>
@@ -3588,7 +3595,7 @@
           <a:p>
             <a:fld id="{5477F272-5102-41AE-9590-F3FA2629C121}" type="datetimeFigureOut">
               <a:rPr lang="pt-BR" smtClean="0"/>
-              <a:t>26/03/2024</a:t>
+              <a:t>27/03/2024</a:t>
             </a:fld>
             <a:endParaRPr lang="pt-BR"/>
           </a:p>
@@ -3630,7 +3637,7 @@
           <a:p>
             <a:fld id="{79D7372B-5589-45CA-8A12-CF4F312AF3AB}" type="slidenum">
               <a:rPr lang="pt-BR" smtClean="0"/>
-              <a:t>‹nº›</a:t>
+              <a:t>‹#›</a:t>
             </a:fld>
             <a:endParaRPr lang="pt-BR"/>
           </a:p>
@@ -3772,7 +3779,7 @@
           <a:p>
             <a:fld id="{5477F272-5102-41AE-9590-F3FA2629C121}" type="datetimeFigureOut">
               <a:rPr lang="pt-BR" smtClean="0"/>
-              <a:t>26/03/2024</a:t>
+              <a:t>27/03/2024</a:t>
             </a:fld>
             <a:endParaRPr lang="pt-BR"/>
           </a:p>
@@ -3814,7 +3821,7 @@
           <a:p>
             <a:fld id="{79D7372B-5589-45CA-8A12-CF4F312AF3AB}" type="slidenum">
               <a:rPr lang="pt-BR" smtClean="0"/>
-              <a:t>‹nº›</a:t>
+              <a:t>‹#›</a:t>
             </a:fld>
             <a:endParaRPr lang="pt-BR"/>
           </a:p>
@@ -3942,7 +3949,7 @@
           <a:p>
             <a:fld id="{5477F272-5102-41AE-9590-F3FA2629C121}" type="datetimeFigureOut">
               <a:rPr lang="pt-BR" smtClean="0"/>
-              <a:t>26/03/2024</a:t>
+              <a:t>27/03/2024</a:t>
             </a:fld>
             <a:endParaRPr lang="pt-BR"/>
           </a:p>
@@ -3984,7 +3991,7 @@
           <a:p>
             <a:fld id="{79D7372B-5589-45CA-8A12-CF4F312AF3AB}" type="slidenum">
               <a:rPr lang="pt-BR" smtClean="0"/>
-              <a:t>‹nº›</a:t>
+              <a:t>‹#›</a:t>
             </a:fld>
             <a:endParaRPr lang="pt-BR"/>
           </a:p>
@@ -4186,7 +4193,7 @@
           <a:p>
             <a:fld id="{5477F272-5102-41AE-9590-F3FA2629C121}" type="datetimeFigureOut">
               <a:rPr lang="pt-BR" smtClean="0"/>
-              <a:t>26/03/2024</a:t>
+              <a:t>27/03/2024</a:t>
             </a:fld>
             <a:endParaRPr lang="pt-BR"/>
           </a:p>
@@ -4228,7 +4235,7 @@
           <a:p>
             <a:fld id="{79D7372B-5589-45CA-8A12-CF4F312AF3AB}" type="slidenum">
               <a:rPr lang="pt-BR" smtClean="0"/>
-              <a:t>‹nº›</a:t>
+              <a:t>‹#›</a:t>
             </a:fld>
             <a:endParaRPr lang="pt-BR"/>
           </a:p>
@@ -4422,7 +4429,7 @@
           <a:p>
             <a:fld id="{5477F272-5102-41AE-9590-F3FA2629C121}" type="datetimeFigureOut">
               <a:rPr lang="pt-BR" smtClean="0"/>
-              <a:t>26/03/2024</a:t>
+              <a:t>27/03/2024</a:t>
             </a:fld>
             <a:endParaRPr lang="pt-BR"/>
           </a:p>
@@ -4464,7 +4471,7 @@
           <a:p>
             <a:fld id="{79D7372B-5589-45CA-8A12-CF4F312AF3AB}" type="slidenum">
               <a:rPr lang="pt-BR" smtClean="0"/>
-              <a:t>‹nº›</a:t>
+              <a:t>‹#›</a:t>
             </a:fld>
             <a:endParaRPr lang="pt-BR"/>
           </a:p>
@@ -4888,7 +4895,7 @@
           <a:p>
             <a:fld id="{5477F272-5102-41AE-9590-F3FA2629C121}" type="datetimeFigureOut">
               <a:rPr lang="pt-BR" smtClean="0"/>
-              <a:t>26/03/2024</a:t>
+              <a:t>27/03/2024</a:t>
             </a:fld>
             <a:endParaRPr lang="pt-BR"/>
           </a:p>
@@ -4930,7 +4937,7 @@
           <a:p>
             <a:fld id="{79D7372B-5589-45CA-8A12-CF4F312AF3AB}" type="slidenum">
               <a:rPr lang="pt-BR" smtClean="0"/>
-              <a:t>‹nº›</a:t>
+              <a:t>‹#›</a:t>
             </a:fld>
             <a:endParaRPr lang="pt-BR"/>
           </a:p>
@@ -5006,7 +5013,7 @@
           <a:p>
             <a:fld id="{5477F272-5102-41AE-9590-F3FA2629C121}" type="datetimeFigureOut">
               <a:rPr lang="pt-BR" smtClean="0"/>
-              <a:t>26/03/2024</a:t>
+              <a:t>27/03/2024</a:t>
             </a:fld>
             <a:endParaRPr lang="pt-BR"/>
           </a:p>
@@ -5048,7 +5055,7 @@
           <a:p>
             <a:fld id="{79D7372B-5589-45CA-8A12-CF4F312AF3AB}" type="slidenum">
               <a:rPr lang="pt-BR" smtClean="0"/>
-              <a:t>‹nº›</a:t>
+              <a:t>‹#›</a:t>
             </a:fld>
             <a:endParaRPr lang="pt-BR"/>
           </a:p>
@@ -5101,7 +5108,7 @@
           <a:p>
             <a:fld id="{5477F272-5102-41AE-9590-F3FA2629C121}" type="datetimeFigureOut">
               <a:rPr lang="pt-BR" smtClean="0"/>
-              <a:t>26/03/2024</a:t>
+              <a:t>27/03/2024</a:t>
             </a:fld>
             <a:endParaRPr lang="pt-BR"/>
           </a:p>
@@ -5143,7 +5150,7 @@
           <a:p>
             <a:fld id="{79D7372B-5589-45CA-8A12-CF4F312AF3AB}" type="slidenum">
               <a:rPr lang="pt-BR" smtClean="0"/>
-              <a:t>‹nº›</a:t>
+              <a:t>‹#›</a:t>
             </a:fld>
             <a:endParaRPr lang="pt-BR"/>
           </a:p>
@@ -5356,7 +5363,7 @@
           <a:p>
             <a:fld id="{5477F272-5102-41AE-9590-F3FA2629C121}" type="datetimeFigureOut">
               <a:rPr lang="pt-BR" smtClean="0"/>
-              <a:t>26/03/2024</a:t>
+              <a:t>27/03/2024</a:t>
             </a:fld>
             <a:endParaRPr lang="pt-BR"/>
           </a:p>
@@ -5398,7 +5405,7 @@
           <a:p>
             <a:fld id="{79D7372B-5589-45CA-8A12-CF4F312AF3AB}" type="slidenum">
               <a:rPr lang="pt-BR" smtClean="0"/>
-              <a:t>‹nº›</a:t>
+              <a:t>‹#›</a:t>
             </a:fld>
             <a:endParaRPr lang="pt-BR"/>
           </a:p>
@@ -5656,7 +5663,7 @@
           <a:p>
             <a:fld id="{5477F272-5102-41AE-9590-F3FA2629C121}" type="datetimeFigureOut">
               <a:rPr lang="pt-BR" smtClean="0"/>
-              <a:t>26/03/2024</a:t>
+              <a:t>27/03/2024</a:t>
             </a:fld>
             <a:endParaRPr lang="pt-BR"/>
           </a:p>
@@ -5698,7 +5705,7 @@
           <a:p>
             <a:fld id="{79D7372B-5589-45CA-8A12-CF4F312AF3AB}" type="slidenum">
               <a:rPr lang="pt-BR" smtClean="0"/>
-              <a:t>‹nº›</a:t>
+              <a:t>‹#›</a:t>
             </a:fld>
             <a:endParaRPr lang="pt-BR"/>
           </a:p>
@@ -5890,7 +5897,7 @@
           <a:p>
             <a:fld id="{5477F272-5102-41AE-9590-F3FA2629C121}" type="datetimeFigureOut">
               <a:rPr lang="pt-BR" smtClean="0"/>
-              <a:t>26/03/2024</a:t>
+              <a:t>27/03/2024</a:t>
             </a:fld>
             <a:endParaRPr lang="pt-BR"/>
           </a:p>
@@ -5982,7 +5989,7 @@
           <a:p>
             <a:fld id="{79D7372B-5589-45CA-8A12-CF4F312AF3AB}" type="slidenum">
               <a:rPr lang="pt-BR" smtClean="0"/>
-              <a:t>‹nº›</a:t>
+              <a:t>‹#›</a:t>
             </a:fld>
             <a:endParaRPr lang="pt-BR"/>
           </a:p>
@@ -7203,13 +7210,13 @@
   <p:clrMapOvr>
     <a:masterClrMapping/>
   </p:clrMapOvr>
-  <mc:AlternateContent xmlns:mc="http://schemas.openxmlformats.org/markup-compatibility/2006">
-    <mc:Choice xmlns:p159="http://schemas.microsoft.com/office/powerpoint/2015/09/main" Requires="p159">
+  <mc:AlternateContent xmlns:mc="http://schemas.openxmlformats.org/markup-compatibility/2006" xmlns:p159="http://schemas.microsoft.com/office/powerpoint/2015/09/main">
+    <mc:Choice Requires="p159">
       <p:transition xmlns:p14="http://schemas.microsoft.com/office/powerpoint/2010/main" spd="slow" p14:dur="2000">
         <p159:morph option="byObject"/>
       </p:transition>
     </mc:Choice>
-    <mc:Fallback>
+    <mc:Fallback xmlns="">
       <p:transition spd="slow">
         <p:fade/>
       </p:transition>
@@ -7359,13 +7366,13 @@
   <p:clrMapOvr>
     <a:masterClrMapping/>
   </p:clrMapOvr>
-  <mc:AlternateContent xmlns:mc="http://schemas.openxmlformats.org/markup-compatibility/2006">
-    <mc:Choice xmlns:p159="http://schemas.microsoft.com/office/powerpoint/2015/09/main" Requires="p159">
+  <mc:AlternateContent xmlns:mc="http://schemas.openxmlformats.org/markup-compatibility/2006" xmlns:p159="http://schemas.microsoft.com/office/powerpoint/2015/09/main">
+    <mc:Choice Requires="p159">
       <p:transition xmlns:p14="http://schemas.microsoft.com/office/powerpoint/2010/main" spd="slow" p14:dur="2000">
         <p159:morph option="byObject"/>
       </p:transition>
     </mc:Choice>
-    <mc:Fallback>
+    <mc:Fallback xmlns="">
       <p:transition spd="slow">
         <p:fade/>
       </p:transition>
@@ -7515,13 +7522,13 @@
   <p:clrMapOvr>
     <a:masterClrMapping/>
   </p:clrMapOvr>
-  <mc:AlternateContent xmlns:mc="http://schemas.openxmlformats.org/markup-compatibility/2006">
-    <mc:Choice xmlns:p159="http://schemas.microsoft.com/office/powerpoint/2015/09/main" Requires="p159">
+  <mc:AlternateContent xmlns:mc="http://schemas.openxmlformats.org/markup-compatibility/2006" xmlns:p159="http://schemas.microsoft.com/office/powerpoint/2015/09/main">
+    <mc:Choice Requires="p159">
       <p:transition xmlns:p14="http://schemas.microsoft.com/office/powerpoint/2010/main" spd="slow" p14:dur="2000">
         <p159:morph option="byObject"/>
       </p:transition>
     </mc:Choice>
-    <mc:Fallback>
+    <mc:Fallback xmlns="">
       <p:transition spd="slow">
         <p:fade/>
       </p:transition>
@@ -8755,13 +8762,13 @@
   <p:clrMapOvr>
     <a:masterClrMapping/>
   </p:clrMapOvr>
-  <mc:AlternateContent xmlns:mc="http://schemas.openxmlformats.org/markup-compatibility/2006">
-    <mc:Choice xmlns:p159="http://schemas.microsoft.com/office/powerpoint/2015/09/main" Requires="p159">
+  <mc:AlternateContent xmlns:mc="http://schemas.openxmlformats.org/markup-compatibility/2006" xmlns:p159="http://schemas.microsoft.com/office/powerpoint/2015/09/main">
+    <mc:Choice Requires="p159">
       <p:transition xmlns:p14="http://schemas.microsoft.com/office/powerpoint/2010/main" spd="slow" p14:dur="2000">
         <p159:morph option="byObject"/>
       </p:transition>
     </mc:Choice>
-    <mc:Fallback>
+    <mc:Fallback xmlns="">
       <p:transition spd="slow">
         <p:fade/>
       </p:transition>
@@ -8838,13 +8845,13 @@
   <p:clrMapOvr>
     <a:masterClrMapping/>
   </p:clrMapOvr>
-  <mc:AlternateContent xmlns:mc="http://schemas.openxmlformats.org/markup-compatibility/2006">
-    <mc:Choice xmlns:p159="http://schemas.microsoft.com/office/powerpoint/2015/09/main" Requires="p159">
+  <mc:AlternateContent xmlns:mc="http://schemas.openxmlformats.org/markup-compatibility/2006" xmlns:p159="http://schemas.microsoft.com/office/powerpoint/2015/09/main">
+    <mc:Choice Requires="p159">
       <p:transition xmlns:p14="http://schemas.microsoft.com/office/powerpoint/2010/main" spd="slow" p14:dur="2000">
         <p159:morph option="byObject"/>
       </p:transition>
     </mc:Choice>
-    <mc:Fallback>
+    <mc:Fallback xmlns="">
       <p:transition spd="slow">
         <p:fade/>
       </p:transition>
@@ -8921,13 +8928,13 @@
   <p:clrMapOvr>
     <a:masterClrMapping/>
   </p:clrMapOvr>
-  <mc:AlternateContent xmlns:mc="http://schemas.openxmlformats.org/markup-compatibility/2006">
-    <mc:Choice xmlns:p159="http://schemas.microsoft.com/office/powerpoint/2015/09/main" Requires="p159">
+  <mc:AlternateContent xmlns:mc="http://schemas.openxmlformats.org/markup-compatibility/2006" xmlns:p159="http://schemas.microsoft.com/office/powerpoint/2015/09/main">
+    <mc:Choice Requires="p159">
       <p:transition xmlns:p14="http://schemas.microsoft.com/office/powerpoint/2010/main" spd="slow" p14:dur="2000">
         <p159:morph option="byObject"/>
       </p:transition>
     </mc:Choice>
-    <mc:Fallback>
+    <mc:Fallback xmlns="">
       <p:transition spd="slow">
         <p:fade/>
       </p:transition>
@@ -9004,13 +9011,13 @@
   <p:clrMapOvr>
     <a:masterClrMapping/>
   </p:clrMapOvr>
-  <mc:AlternateContent xmlns:mc="http://schemas.openxmlformats.org/markup-compatibility/2006">
-    <mc:Choice xmlns:p159="http://schemas.microsoft.com/office/powerpoint/2015/09/main" Requires="p159">
+  <mc:AlternateContent xmlns:mc="http://schemas.openxmlformats.org/markup-compatibility/2006" xmlns:p159="http://schemas.microsoft.com/office/powerpoint/2015/09/main">
+    <mc:Choice Requires="p159">
       <p:transition xmlns:p14="http://schemas.microsoft.com/office/powerpoint/2010/main" spd="slow" p14:dur="2000">
         <p159:morph option="byObject"/>
       </p:transition>
     </mc:Choice>
-    <mc:Fallback>
+    <mc:Fallback xmlns="">
       <p:transition spd="slow">
         <p:fade/>
       </p:transition>
